--- a/lections/cpp_craft_lec_5_pre.pptx
+++ b/lections/cpp_craft_lec_5_pre.pptx
@@ -15,14 +15,18 @@
     <p:sldId id="265" r:id="rId9"/>
     <p:sldId id="266" r:id="rId10"/>
     <p:sldId id="267" r:id="rId11"/>
-    <p:sldId id="268" r:id="rId12"/>
-    <p:sldId id="269" r:id="rId13"/>
-    <p:sldId id="270" r:id="rId14"/>
-    <p:sldId id="271" r:id="rId15"/>
-    <p:sldId id="272" r:id="rId16"/>
-    <p:sldId id="274" r:id="rId17"/>
-    <p:sldId id="275" r:id="rId18"/>
-    <p:sldId id="273" r:id="rId19"/>
+    <p:sldId id="278" r:id="rId12"/>
+    <p:sldId id="276" r:id="rId13"/>
+    <p:sldId id="268" r:id="rId14"/>
+    <p:sldId id="277" r:id="rId15"/>
+    <p:sldId id="279" r:id="rId16"/>
+    <p:sldId id="269" r:id="rId17"/>
+    <p:sldId id="270" r:id="rId18"/>
+    <p:sldId id="271" r:id="rId19"/>
+    <p:sldId id="272" r:id="rId20"/>
+    <p:sldId id="274" r:id="rId21"/>
+    <p:sldId id="275" r:id="rId22"/>
+    <p:sldId id="273" r:id="rId23"/>
   </p:sldIdLst>
   <p:sldSz cx="9144000" cy="6858000" type="screen4x3"/>
   <p:notesSz cx="6858000" cy="9144000"/>
@@ -3527,7 +3531,7 @@
           <a:p>
             <a:r>
               <a:rPr lang="ru-RU" dirty="0" smtClean="0"/>
-              <a:t>аргументы по умолчанию</a:t>
+              <a:t>параметры по умолчанию</a:t>
             </a:r>
             <a:endParaRPr lang="en-US" dirty="0"/>
           </a:p>
@@ -3535,278 +3539,20 @@
       </p:sp>
       <p:sp>
         <p:nvSpPr>
-          <p:cNvPr id="5" name="Rounded Rectangle 3"/>
-          <p:cNvSpPr/>
-          <p:nvPr/>
-        </p:nvSpPr>
-        <p:spPr>
-          <a:xfrm>
-            <a:off x="914400" y="1600200"/>
-            <a:ext cx="7543800" cy="4114800"/>
-          </a:xfrm>
-          <a:prstGeom prst="roundRect">
-            <a:avLst/>
-          </a:prstGeom>
-        </p:spPr>
-        <p:style>
-          <a:lnRef idx="2">
-            <a:schemeClr val="accent1">
-              <a:shade val="50000"/>
-            </a:schemeClr>
-          </a:lnRef>
-          <a:fillRef idx="1">
-            <a:schemeClr val="accent1"/>
-          </a:fillRef>
-          <a:effectRef idx="0">
-            <a:schemeClr val="accent1"/>
-          </a:effectRef>
-          <a:fontRef idx="minor">
-            <a:schemeClr val="lt1"/>
-          </a:fontRef>
-        </p:style>
-        <p:txBody>
-          <a:bodyPr numCol="1" rtlCol="0" anchor="ctr"/>
-          <a:lstStyle/>
-          <a:p>
-            <a:r>
-              <a:rPr lang="en-US" dirty="0" smtClean="0"/>
-              <a:t>template&lt; class T, </a:t>
-            </a:r>
-            <a:r>
-              <a:rPr lang="en-US" dirty="0" err="1" smtClean="0"/>
-              <a:t>int</a:t>
-            </a:r>
-            <a:r>
-              <a:rPr lang="en-US" dirty="0" smtClean="0"/>
-              <a:t> max</a:t>
-            </a:r>
-            <a:r>
-              <a:rPr lang="ru-RU" dirty="0" smtClean="0"/>
-              <a:t> = 10</a:t>
-            </a:r>
-            <a:r>
-              <a:rPr lang="en-US" dirty="0" smtClean="0"/>
-              <a:t> &gt;</a:t>
-            </a:r>
-          </a:p>
-          <a:p>
-            <a:r>
-              <a:rPr lang="en-US" dirty="0" smtClean="0"/>
-              <a:t>class buffer</a:t>
-            </a:r>
-          </a:p>
-          <a:p>
-            <a:r>
-              <a:rPr lang="en-US" dirty="0" smtClean="0"/>
-              <a:t>{</a:t>
-            </a:r>
-          </a:p>
-          <a:p>
-            <a:r>
-              <a:rPr lang="en-US" dirty="0"/>
-              <a:t>	</a:t>
-            </a:r>
-            <a:r>
-              <a:rPr lang="en-US" dirty="0" smtClean="0"/>
-              <a:t>T v[  max ];</a:t>
-            </a:r>
-          </a:p>
-          <a:p>
-            <a:r>
-              <a:rPr lang="en-US" dirty="0"/>
-              <a:t>	</a:t>
-            </a:r>
-            <a:r>
-              <a:rPr lang="en-US" dirty="0" smtClean="0"/>
-              <a:t>public:</a:t>
-            </a:r>
-          </a:p>
-          <a:p>
-            <a:r>
-              <a:rPr lang="en-US" dirty="0"/>
-              <a:t>	</a:t>
-            </a:r>
-            <a:r>
-              <a:rPr lang="en-US" dirty="0" smtClean="0"/>
-              <a:t>explicit </a:t>
-            </a:r>
-            <a:r>
-              <a:rPr lang="en-US" dirty="0" err="1" smtClean="0"/>
-              <a:t>template_example</a:t>
-            </a:r>
-            <a:r>
-              <a:rPr lang="en-US" dirty="0" smtClean="0"/>
-              <a:t> ()</a:t>
-            </a:r>
-            <a:r>
-              <a:rPr lang="en-US" dirty="0"/>
-              <a:t> </a:t>
-            </a:r>
-            <a:r>
-              <a:rPr lang="en-US" dirty="0" smtClean="0"/>
-              <a:t>{}</a:t>
-            </a:r>
-            <a:br>
-              <a:rPr lang="en-US" dirty="0" smtClean="0"/>
-            </a:br>
-            <a:r>
-              <a:rPr lang="en-US" dirty="0" smtClean="0"/>
-              <a:t>};</a:t>
-            </a:r>
-          </a:p>
-          <a:p>
-            <a:endParaRPr lang="en-US" dirty="0"/>
-          </a:p>
-          <a:p>
-            <a:r>
-              <a:rPr lang="en-US" dirty="0" smtClean="0"/>
-              <a:t>buffer&lt; char &gt; </a:t>
-            </a:r>
-            <a:r>
-              <a:rPr lang="en-US" dirty="0" err="1" smtClean="0"/>
-              <a:t>c_buff</a:t>
-            </a:r>
-            <a:r>
-              <a:rPr lang="en-US" dirty="0" smtClean="0"/>
-              <a:t>;</a:t>
-            </a:r>
-            <a:r>
-              <a:rPr lang="ru-RU" dirty="0" smtClean="0"/>
-              <a:t> </a:t>
-            </a:r>
-            <a:r>
-              <a:rPr lang="en-US" dirty="0" smtClean="0"/>
-              <a:t>// </a:t>
-            </a:r>
-            <a:r>
-              <a:rPr lang="ru-RU" dirty="0" smtClean="0"/>
-              <a:t>тоже что и</a:t>
-            </a:r>
-            <a:r>
-              <a:rPr lang="en-US" dirty="0" smtClean="0"/>
-              <a:t> buffer&lt; char,  10 &gt; </a:t>
-            </a:r>
-            <a:r>
-              <a:rPr lang="en-US" dirty="0" err="1" smtClean="0"/>
-              <a:t>c_buff</a:t>
-            </a:r>
-            <a:r>
-              <a:rPr lang="en-US" dirty="0" smtClean="0"/>
-              <a:t>;</a:t>
-            </a:r>
-          </a:p>
-          <a:p>
-            <a:r>
-              <a:rPr lang="en-US" dirty="0" smtClean="0"/>
-              <a:t>buffer&lt; </a:t>
-            </a:r>
-            <a:r>
-              <a:rPr lang="en-US" dirty="0" err="1" smtClean="0"/>
-              <a:t>int</a:t>
-            </a:r>
-            <a:r>
-              <a:rPr lang="ru-RU" dirty="0"/>
-              <a:t> </a:t>
-            </a:r>
-            <a:r>
-              <a:rPr lang="en-US" dirty="0" smtClean="0"/>
-              <a:t>&gt; </a:t>
-            </a:r>
-            <a:r>
-              <a:rPr lang="en-US" dirty="0" err="1" smtClean="0"/>
-              <a:t>i_</a:t>
-            </a:r>
-            <a:r>
-              <a:rPr lang="en-US" dirty="0" err="1" smtClean="0"/>
-              <a:t>buff</a:t>
-            </a:r>
-            <a:r>
-              <a:rPr lang="en-US" dirty="0" smtClean="0"/>
-              <a:t>; // </a:t>
-            </a:r>
-            <a:r>
-              <a:rPr lang="ru-RU" dirty="0" smtClean="0"/>
-              <a:t>тоже что и </a:t>
-            </a:r>
-            <a:r>
-              <a:rPr lang="en-US" dirty="0" smtClean="0"/>
-              <a:t>buffer&lt; </a:t>
-            </a:r>
-            <a:r>
-              <a:rPr lang="en-US" dirty="0" err="1" smtClean="0"/>
-              <a:t>int</a:t>
-            </a:r>
-            <a:r>
-              <a:rPr lang="en-US" dirty="0" smtClean="0"/>
-              <a:t>,  10 &gt; </a:t>
-            </a:r>
-            <a:r>
-              <a:rPr lang="en-US" dirty="0" err="1" smtClean="0"/>
-              <a:t>i_buff</a:t>
-            </a:r>
-            <a:r>
-              <a:rPr lang="en-US" dirty="0" smtClean="0"/>
-              <a:t> ;</a:t>
-            </a:r>
-          </a:p>
-          <a:p>
-            <a:r>
-              <a:rPr lang="en-US" dirty="0" smtClean="0"/>
-              <a:t>buffer&lt; </a:t>
-            </a:r>
-            <a:r>
-              <a:rPr lang="en-US" dirty="0" err="1" smtClean="0"/>
-              <a:t>my_class</a:t>
-            </a:r>
-            <a:r>
-              <a:rPr lang="en-US" dirty="0" smtClean="0"/>
-              <a:t> &gt; </a:t>
-            </a:r>
-            <a:r>
-              <a:rPr lang="en-US" dirty="0" err="1" smtClean="0"/>
-              <a:t>my_</a:t>
-            </a:r>
-            <a:r>
-              <a:rPr lang="en-US" dirty="0" err="1" smtClean="0"/>
-              <a:t>buff</a:t>
-            </a:r>
-            <a:r>
-              <a:rPr lang="en-US" dirty="0" smtClean="0"/>
-              <a:t>;</a:t>
-            </a:r>
-            <a:r>
-              <a:rPr lang="ru-RU" dirty="0" smtClean="0"/>
-              <a:t> </a:t>
-            </a:r>
-            <a:r>
-              <a:rPr lang="en-US" dirty="0" smtClean="0"/>
-              <a:t>// </a:t>
-            </a:r>
-            <a:r>
-              <a:rPr lang="ru-RU" dirty="0" smtClean="0"/>
-              <a:t>тоже что и </a:t>
-            </a:r>
-            <a:r>
-              <a:rPr lang="en-US" dirty="0" smtClean="0"/>
-              <a:t>buffer&lt; </a:t>
-            </a:r>
-            <a:r>
-              <a:rPr lang="en-US" dirty="0" smtClean="0"/>
-              <a:t>class</a:t>
-            </a:r>
-            <a:r>
-              <a:rPr lang="en-US" dirty="0" smtClean="0"/>
-              <a:t>,  10 &gt; </a:t>
-            </a:r>
-            <a:r>
-              <a:rPr lang="en-US" dirty="0" err="1" smtClean="0"/>
-              <a:t>my_buff</a:t>
-            </a:r>
-            <a:r>
-              <a:rPr lang="en-US" dirty="0" smtClean="0"/>
-              <a:t> ;</a:t>
-            </a:r>
-            <a:endParaRPr lang="en-US" dirty="0"/>
+          <p:cNvPr id="3" name="Содержимое 2"/>
+          <p:cNvSpPr>
+            <a:spLocks noGrp="1"/>
+          </p:cNvSpPr>
+          <p:nvPr>
+            <p:ph idx="1"/>
+          </p:nvPr>
+        </p:nvSpPr>
+        <p:spPr/>
+        <p:txBody>
+          <a:bodyPr/>
+          <a:lstStyle/>
+          <a:p>
+            <a:endParaRPr lang="en-US"/>
           </a:p>
         </p:txBody>
       </p:sp>
@@ -3815,13 +3561,6 @@
   <p:clrMapOvr>
     <a:masterClrMapping/>
   </p:clrMapOvr>
-  <p:timing>
-    <p:tnLst>
-      <p:par>
-        <p:cTn id="1" dur="indefinite" restart="never" nodeType="tmRoot"/>
-      </p:par>
-    </p:tnLst>
-  </p:timing>
 </p:sld>
 </file>
 
@@ -3859,7 +3598,7 @@
           <a:p>
             <a:r>
               <a:rPr lang="ru-RU" dirty="0" smtClean="0"/>
-              <a:t>специализация</a:t>
+              <a:t>аргументы шаблона</a:t>
             </a:r>
             <a:endParaRPr lang="en-US" dirty="0"/>
           </a:p>
@@ -3867,224 +3606,39 @@
       </p:sp>
       <p:sp>
         <p:nvSpPr>
-          <p:cNvPr id="4" name="Rounded Rectangle 3"/>
-          <p:cNvSpPr/>
-          <p:nvPr/>
-        </p:nvSpPr>
-        <p:spPr>
-          <a:xfrm>
-            <a:off x="685800" y="1295400"/>
-            <a:ext cx="8153400" cy="4876800"/>
-          </a:xfrm>
-          <a:prstGeom prst="roundRect">
-            <a:avLst/>
-          </a:prstGeom>
-        </p:spPr>
-        <p:style>
-          <a:lnRef idx="2">
-            <a:schemeClr val="accent1">
-              <a:shade val="50000"/>
-            </a:schemeClr>
-          </a:lnRef>
-          <a:fillRef idx="1">
-            <a:schemeClr val="accent1"/>
-          </a:fillRef>
-          <a:effectRef idx="0">
-            <a:schemeClr val="accent1"/>
-          </a:effectRef>
-          <a:fontRef idx="minor">
-            <a:schemeClr val="lt1"/>
-          </a:fontRef>
-        </p:style>
-        <p:txBody>
-          <a:bodyPr numCol="1" rtlCol="0" anchor="ctr"/>
-          <a:lstStyle/>
-          <a:p>
-            <a:pPr marL="169863"/>
-            <a:r>
-              <a:rPr lang="en-US" sz="1600" dirty="0" smtClean="0"/>
-              <a:t>// </a:t>
-            </a:r>
-            <a:r>
-              <a:rPr lang="en-US" sz="1600" dirty="0" err="1" smtClean="0"/>
-              <a:t>copy.h</a:t>
-            </a:r>
-            <a:endParaRPr lang="en-US" sz="1600" dirty="0" smtClean="0"/>
-          </a:p>
-          <a:p>
-            <a:pPr marL="169863"/>
-            <a:r>
-              <a:rPr lang="en-US" sz="1600" dirty="0" smtClean="0"/>
-              <a:t>template&lt; class C &gt; </a:t>
-            </a:r>
-          </a:p>
-          <a:p>
-            <a:pPr marL="169863"/>
-            <a:r>
-              <a:rPr lang="en-US" sz="1600" dirty="0" err="1" smtClean="0"/>
-              <a:t>bool</a:t>
-            </a:r>
-            <a:r>
-              <a:rPr lang="en-US" sz="1600" dirty="0" smtClean="0"/>
-              <a:t> copy( const C&amp; from, C&amp; to )</a:t>
-            </a:r>
-          </a:p>
-          <a:p>
-            <a:pPr marL="169863"/>
-            <a:r>
-              <a:rPr lang="en-US" sz="1600" dirty="0" smtClean="0"/>
-              <a:t>{</a:t>
-            </a:r>
-          </a:p>
-          <a:p>
-            <a:pPr marL="169863"/>
-            <a:r>
-              <a:rPr lang="en-US" sz="1600" dirty="0"/>
-              <a:t>	</a:t>
-            </a:r>
-            <a:r>
-              <a:rPr lang="en-US" sz="1600" dirty="0" smtClean="0"/>
-              <a:t>to = from;</a:t>
-            </a:r>
-          </a:p>
-          <a:p>
-            <a:pPr marL="169863"/>
-            <a:r>
-              <a:rPr lang="en-US" sz="1600" dirty="0" smtClean="0"/>
-              <a:t>	return true;</a:t>
-            </a:r>
-          </a:p>
-          <a:p>
-            <a:pPr marL="169863"/>
-            <a:r>
-              <a:rPr lang="en-US" sz="1600" dirty="0" smtClean="0"/>
-              <a:t>}</a:t>
-            </a:r>
-            <a:endParaRPr lang="en-US" sz="1600" dirty="0" smtClean="0"/>
-          </a:p>
-          <a:p>
-            <a:pPr marL="169863"/>
-            <a:r>
-              <a:rPr lang="en-US" sz="1600" dirty="0" smtClean="0"/>
-              <a:t>template&lt;&gt;</a:t>
-            </a:r>
-          </a:p>
-          <a:p>
-            <a:pPr marL="169863"/>
-            <a:r>
-              <a:rPr lang="en-US" sz="1600" dirty="0" err="1" smtClean="0"/>
-              <a:t>bool</a:t>
-            </a:r>
-            <a:r>
-              <a:rPr lang="en-US" sz="1600" dirty="0" smtClean="0"/>
-              <a:t> copy &lt; string&gt;( const string&amp; from, string&amp; to );</a:t>
-            </a:r>
-          </a:p>
-          <a:p>
-            <a:pPr marL="169863"/>
-            <a:endParaRPr lang="en-US" sz="1600" dirty="0" smtClean="0"/>
-          </a:p>
-          <a:p>
-            <a:pPr marL="169863"/>
-            <a:r>
-              <a:rPr lang="en-US" sz="1600" dirty="0" smtClean="0"/>
-              <a:t>// copy.cpp</a:t>
-            </a:r>
-          </a:p>
-          <a:p>
-            <a:pPr marL="169863"/>
-            <a:r>
-              <a:rPr lang="en-US" sz="1600" dirty="0" smtClean="0"/>
-              <a:t>template&lt;&gt;</a:t>
-            </a:r>
-          </a:p>
-          <a:p>
-            <a:pPr marL="169863"/>
-            <a:r>
-              <a:rPr lang="en-US" sz="1600" dirty="0" err="1" smtClean="0"/>
-              <a:t>bool</a:t>
-            </a:r>
-            <a:r>
-              <a:rPr lang="en-US" sz="1600" dirty="0" smtClean="0"/>
-              <a:t> copy &lt; string&gt;( const string&amp; from, string&amp; to )</a:t>
-            </a:r>
-            <a:r>
-              <a:rPr lang="ru-RU" sz="1600" dirty="0" smtClean="0"/>
-              <a:t> </a:t>
-            </a:r>
-            <a:r>
-              <a:rPr lang="en-US" sz="1600" dirty="0" smtClean="0"/>
-              <a:t>{</a:t>
-            </a:r>
-            <a:r>
-              <a:rPr lang="ru-RU" sz="1600" dirty="0" smtClean="0"/>
-              <a:t> </a:t>
-            </a:r>
-            <a:r>
-              <a:rPr lang="en-US" sz="1600" dirty="0"/>
-              <a:t>	</a:t>
-            </a:r>
-            <a:r>
-              <a:rPr lang="en-US" sz="1600" dirty="0" smtClean="0"/>
-              <a:t>// …</a:t>
-            </a:r>
-            <a:r>
-              <a:rPr lang="ru-RU" sz="1600" dirty="0" smtClean="0"/>
-              <a:t> </a:t>
-            </a:r>
-            <a:r>
-              <a:rPr lang="en-US" sz="1600" dirty="0" smtClean="0"/>
-              <a:t>}</a:t>
-            </a:r>
-          </a:p>
-          <a:p>
-            <a:pPr marL="169863"/>
-            <a:r>
-              <a:rPr lang="en-US" sz="1600" dirty="0" smtClean="0"/>
-              <a:t>template&lt;&gt;</a:t>
-            </a:r>
-          </a:p>
-          <a:p>
-            <a:pPr marL="169863"/>
-            <a:r>
-              <a:rPr lang="en-US" sz="1600" dirty="0" err="1" smtClean="0"/>
-              <a:t>bool</a:t>
-            </a:r>
-            <a:r>
-              <a:rPr lang="en-US" sz="1600" dirty="0" smtClean="0"/>
-              <a:t> copy &lt;&gt;( const vector&amp; from, vector&amp; to ) // ! </a:t>
-            </a:r>
-            <a:r>
-              <a:rPr lang="ru-RU" sz="1600" dirty="0" smtClean="0"/>
-              <a:t>тип </a:t>
-            </a:r>
-            <a:r>
-              <a:rPr lang="ru-RU" sz="1600" dirty="0" smtClean="0"/>
-              <a:t>определен через аргументы</a:t>
-            </a:r>
-            <a:endParaRPr lang="en-US" sz="1600" dirty="0" smtClean="0"/>
-          </a:p>
-          <a:p>
-            <a:pPr marL="169863"/>
-            <a:r>
-              <a:rPr lang="en-US" sz="1600" dirty="0" smtClean="0"/>
-              <a:t>{</a:t>
-            </a:r>
-          </a:p>
-          <a:p>
-            <a:pPr marL="169863"/>
-            <a:r>
-              <a:rPr lang="en-US" sz="1600" dirty="0" smtClean="0"/>
-              <a:t>	// …</a:t>
-            </a:r>
-          </a:p>
-          <a:p>
-            <a:pPr marL="169863"/>
-            <a:r>
-              <a:rPr lang="en-US" sz="1600" dirty="0" smtClean="0"/>
-              <a:t>}</a:t>
-            </a:r>
-            <a:endParaRPr lang="en-US" sz="1600" dirty="0" smtClean="0"/>
+          <p:cNvPr id="3" name="Содержимое 2"/>
+          <p:cNvSpPr>
+            <a:spLocks noGrp="1"/>
+          </p:cNvSpPr>
+          <p:nvPr>
+            <p:ph idx="1"/>
+          </p:nvPr>
+        </p:nvSpPr>
+        <p:spPr/>
+        <p:txBody>
+          <a:bodyPr/>
+          <a:lstStyle/>
+          <a:p>
+            <a:r>
+              <a:rPr lang="ru-RU" dirty="0" smtClean="0"/>
+              <a:t>константные выражения</a:t>
+            </a:r>
+          </a:p>
+          <a:p>
+            <a:r>
+              <a:rPr lang="ru-RU" dirty="0" smtClean="0"/>
+              <a:t>адрес объекта или функции с внешней компоновкой</a:t>
+            </a:r>
+          </a:p>
+          <a:p>
+            <a:r>
+              <a:rPr lang="ru-RU" dirty="0" err="1" smtClean="0"/>
+              <a:t>неперегруженный</a:t>
+            </a:r>
+            <a:r>
+              <a:rPr lang="ru-RU" dirty="0" smtClean="0"/>
+              <a:t> указатель на член</a:t>
+            </a:r>
           </a:p>
         </p:txBody>
       </p:sp>
@@ -4137,7 +3691,7 @@
           <a:p>
             <a:r>
               <a:rPr lang="ru-RU" dirty="0" smtClean="0"/>
-              <a:t>специализация</a:t>
+              <a:t>аргументы по умолчанию</a:t>
             </a:r>
             <a:endParaRPr lang="en-US" dirty="0"/>
           </a:p>
@@ -4145,14 +3699,14 @@
       </p:sp>
       <p:sp>
         <p:nvSpPr>
-          <p:cNvPr id="4" name="Rounded Rectangle 3"/>
+          <p:cNvPr id="5" name="Rounded Rectangle 3"/>
           <p:cNvSpPr/>
           <p:nvPr/>
         </p:nvSpPr>
         <p:spPr>
           <a:xfrm>
-            <a:off x="609600" y="1371600"/>
-            <a:ext cx="8305800" cy="4953000"/>
+            <a:off x="914400" y="1600200"/>
+            <a:ext cx="7543800" cy="4114800"/>
           </a:xfrm>
           <a:prstGeom prst="roundRect">
             <a:avLst/>
@@ -4178,259 +3732,245 @@
           <a:bodyPr numCol="1" rtlCol="0" anchor="ctr"/>
           <a:lstStyle/>
           <a:p>
-            <a:pPr marL="169863"/>
-            <a:r>
-              <a:rPr lang="en-US" sz="1600" dirty="0" smtClean="0"/>
+            <a:r>
+              <a:rPr lang="en-US" dirty="0" smtClean="0"/>
+              <a:t>template&lt; class T, </a:t>
+            </a:r>
+            <a:r>
+              <a:rPr lang="en-US" dirty="0" err="1" smtClean="0"/>
+              <a:t>int</a:t>
+            </a:r>
+            <a:r>
+              <a:rPr lang="en-US" dirty="0" smtClean="0"/>
+              <a:t> max</a:t>
+            </a:r>
+            <a:r>
+              <a:rPr lang="ru-RU" dirty="0" smtClean="0"/>
+              <a:t> = 10</a:t>
+            </a:r>
+            <a:r>
+              <a:rPr lang="en-US" dirty="0" smtClean="0"/>
+              <a:t> &gt;</a:t>
+            </a:r>
+          </a:p>
+          <a:p>
+            <a:r>
+              <a:rPr lang="en-US" dirty="0" smtClean="0"/>
+              <a:t>class buffer</a:t>
+            </a:r>
+          </a:p>
+          <a:p>
+            <a:r>
+              <a:rPr lang="en-US" dirty="0" smtClean="0"/>
+              <a:t>{</a:t>
+            </a:r>
+          </a:p>
+          <a:p>
+            <a:r>
+              <a:rPr lang="en-US" dirty="0"/>
+              <a:t>	</a:t>
+            </a:r>
+            <a:r>
+              <a:rPr lang="en-US" dirty="0" smtClean="0"/>
+              <a:t>T v[  max ];</a:t>
+            </a:r>
+          </a:p>
+          <a:p>
+            <a:r>
+              <a:rPr lang="en-US" dirty="0"/>
+              <a:t>	</a:t>
+            </a:r>
+            <a:r>
+              <a:rPr lang="en-US" dirty="0" smtClean="0"/>
+              <a:t>public:</a:t>
+            </a:r>
+          </a:p>
+          <a:p>
+            <a:r>
+              <a:rPr lang="en-US" dirty="0"/>
+              <a:t>	</a:t>
+            </a:r>
+            <a:r>
+              <a:rPr lang="en-US" dirty="0" smtClean="0"/>
+              <a:t>explicit </a:t>
+            </a:r>
+            <a:r>
+              <a:rPr lang="en-US" dirty="0" err="1" smtClean="0"/>
+              <a:t>template_example</a:t>
+            </a:r>
+            <a:r>
+              <a:rPr lang="en-US" dirty="0" smtClean="0"/>
+              <a:t> ()</a:t>
+            </a:r>
+            <a:r>
+              <a:rPr lang="en-US" dirty="0"/>
+              <a:t> </a:t>
+            </a:r>
+            <a:r>
+              <a:rPr lang="en-US" dirty="0" smtClean="0"/>
+              <a:t>{}</a:t>
+            </a:r>
+            <a:br>
+              <a:rPr lang="en-US" dirty="0" smtClean="0"/>
+            </a:br>
+            <a:r>
+              <a:rPr lang="en-US" dirty="0" smtClean="0"/>
+              <a:t>};</a:t>
+            </a:r>
+          </a:p>
+          <a:p>
+            <a:endParaRPr lang="en-US" dirty="0"/>
+          </a:p>
+          <a:p>
+            <a:r>
+              <a:rPr lang="en-US" dirty="0" smtClean="0"/>
+              <a:t>buffer&lt; char &gt; </a:t>
+            </a:r>
+            <a:r>
+              <a:rPr lang="en-US" dirty="0" err="1" smtClean="0"/>
+              <a:t>c_buff</a:t>
+            </a:r>
+            <a:r>
+              <a:rPr lang="en-US" dirty="0" smtClean="0"/>
+              <a:t>;</a:t>
+            </a:r>
+            <a:r>
+              <a:rPr lang="ru-RU" dirty="0" smtClean="0"/>
+              <a:t> </a:t>
+            </a:r>
+            <a:r>
+              <a:rPr lang="en-US" dirty="0" smtClean="0"/>
               <a:t>// </a:t>
             </a:r>
             <a:r>
-              <a:rPr lang="en-US" sz="1600" dirty="0" err="1" smtClean="0"/>
-              <a:t>parser.h</a:t>
-            </a:r>
-            <a:endParaRPr lang="en-US" sz="1600" dirty="0" smtClean="0"/>
-          </a:p>
-          <a:p>
-            <a:pPr marL="169863"/>
-            <a:r>
-              <a:rPr lang="en-US" sz="1600" dirty="0" err="1" smtClean="0"/>
-              <a:t>enum</a:t>
-            </a:r>
-            <a:r>
-              <a:rPr lang="en-US" sz="1600" dirty="0" smtClean="0"/>
-              <a:t>  </a:t>
-            </a:r>
-            <a:r>
-              <a:rPr lang="en-US" sz="1600" dirty="0" err="1" smtClean="0"/>
-              <a:t>message_type</a:t>
-            </a:r>
-            <a:endParaRPr lang="en-US" sz="1600" dirty="0" smtClean="0"/>
-          </a:p>
-          <a:p>
-            <a:pPr marL="169863"/>
-            <a:r>
-              <a:rPr lang="en-US" sz="1600" dirty="0" smtClean="0"/>
-              <a:t>{</a:t>
-            </a:r>
-          </a:p>
-          <a:p>
-            <a:pPr marL="169863"/>
-            <a:r>
-              <a:rPr lang="en-US" sz="1600" dirty="0"/>
-              <a:t>	</a:t>
-            </a:r>
-            <a:r>
-              <a:rPr lang="en-US" sz="1600" dirty="0" smtClean="0"/>
-              <a:t>trade = 1,</a:t>
-            </a:r>
-          </a:p>
-          <a:p>
-            <a:pPr marL="169863"/>
-            <a:r>
-              <a:rPr lang="en-US" sz="1600" dirty="0"/>
-              <a:t>	</a:t>
-            </a:r>
-            <a:r>
-              <a:rPr lang="en-US" sz="1600" dirty="0" smtClean="0"/>
-              <a:t>market = 2,</a:t>
-            </a:r>
-          </a:p>
-          <a:p>
-            <a:pPr marL="169863"/>
-            <a:r>
-              <a:rPr lang="en-US" sz="1600" dirty="0"/>
-              <a:t>	</a:t>
-            </a:r>
-            <a:r>
-              <a:rPr lang="en-US" sz="1600" dirty="0" smtClean="0"/>
-              <a:t>limit = 3,</a:t>
-            </a:r>
-            <a:r>
-              <a:rPr lang="en-US" sz="1600" dirty="0"/>
-              <a:t>	</a:t>
-            </a:r>
-            <a:endParaRPr lang="en-US" sz="1600" dirty="0" smtClean="0"/>
-          </a:p>
-          <a:p>
-            <a:pPr marL="169863"/>
-            <a:r>
-              <a:rPr lang="en-US" sz="1600" dirty="0" smtClean="0"/>
-              <a:t>};</a:t>
-            </a:r>
-          </a:p>
-          <a:p>
-            <a:pPr marL="169863"/>
-            <a:r>
-              <a:rPr lang="en-US" sz="1600" dirty="0" smtClean="0"/>
-              <a:t>template&lt; </a:t>
-            </a:r>
-            <a:r>
-              <a:rPr lang="en-US" sz="1600" dirty="0" err="1" smtClean="0"/>
-              <a:t>message_type</a:t>
-            </a:r>
-            <a:r>
-              <a:rPr lang="en-US" sz="1600" dirty="0" smtClean="0"/>
-              <a:t> type &gt; </a:t>
-            </a:r>
-          </a:p>
-          <a:p>
-            <a:pPr marL="169863"/>
-            <a:r>
-              <a:rPr lang="en-US" sz="1600" dirty="0" err="1" smtClean="0"/>
-              <a:t>bool</a:t>
-            </a:r>
-            <a:r>
-              <a:rPr lang="en-US" sz="1600" dirty="0" smtClean="0"/>
+              <a:rPr lang="ru-RU" dirty="0" smtClean="0"/>
+              <a:t>тоже что и</a:t>
+            </a:r>
+            <a:r>
+              <a:rPr lang="en-US" dirty="0" smtClean="0"/>
+              <a:t> buffer&lt; char,  10 &gt; </a:t>
+            </a:r>
+            <a:r>
+              <a:rPr lang="en-US" dirty="0" err="1" smtClean="0"/>
+              <a:t>c_buff</a:t>
+            </a:r>
+            <a:r>
+              <a:rPr lang="en-US" dirty="0" smtClean="0"/>
+              <a:t>;</a:t>
+            </a:r>
+          </a:p>
+          <a:p>
+            <a:r>
+              <a:rPr lang="en-US" dirty="0" smtClean="0"/>
+              <a:t>buffer&lt; </a:t>
+            </a:r>
+            <a:r>
+              <a:rPr lang="en-US" dirty="0" err="1" smtClean="0"/>
+              <a:t>int</a:t>
+            </a:r>
+            <a:r>
+              <a:rPr lang="ru-RU" dirty="0"/>
               <a:t> </a:t>
             </a:r>
             <a:r>
-              <a:rPr lang="en-US" sz="1600" dirty="0" err="1" smtClean="0"/>
-              <a:t>parse_message</a:t>
-            </a:r>
-            <a:r>
-              <a:rPr lang="en-US" sz="1600" dirty="0" smtClean="0"/>
-              <a:t>( const std::string&amp; message )</a:t>
-            </a:r>
-          </a:p>
-          <a:p>
-            <a:pPr marL="169863"/>
-            <a:r>
-              <a:rPr lang="en-US" sz="1600" dirty="0" smtClean="0"/>
-              <a:t>{</a:t>
-            </a:r>
-          </a:p>
-          <a:p>
-            <a:pPr marL="169863"/>
-            <a:r>
-              <a:rPr lang="en-US" sz="1600" dirty="0" smtClean="0"/>
-              <a:t>	throw std::</a:t>
-            </a:r>
-            <a:r>
-              <a:rPr lang="en-US" sz="1600" dirty="0" err="1" smtClean="0"/>
-              <a:t>logic_error</a:t>
-            </a:r>
-            <a:r>
-              <a:rPr lang="en-US" sz="1600" dirty="0" smtClean="0"/>
-              <a:t>( “undefined message type” ):</a:t>
-            </a:r>
-          </a:p>
-          <a:p>
-            <a:pPr marL="169863"/>
-            <a:r>
-              <a:rPr lang="en-US" sz="1600" dirty="0" smtClean="0"/>
-              <a:t>}</a:t>
-            </a:r>
-            <a:endParaRPr lang="en-US" sz="1600" dirty="0" smtClean="0"/>
-          </a:p>
-          <a:p>
-            <a:pPr marL="169863"/>
-            <a:r>
-              <a:rPr lang="en-US" sz="1600" dirty="0" smtClean="0"/>
-              <a:t>template&lt;&gt;</a:t>
-            </a:r>
-          </a:p>
-          <a:p>
-            <a:pPr marL="169863"/>
-            <a:r>
-              <a:rPr lang="en-US" sz="1600" dirty="0" err="1" smtClean="0"/>
-              <a:t>bool</a:t>
-            </a:r>
-            <a:r>
-              <a:rPr lang="en-US" sz="1600" dirty="0" smtClean="0"/>
+              <a:rPr lang="en-US" dirty="0" smtClean="0"/>
+              <a:t>&gt; </a:t>
+            </a:r>
+            <a:r>
+              <a:rPr lang="en-US" dirty="0" err="1" smtClean="0"/>
+              <a:t>i_</a:t>
+            </a:r>
+            <a:r>
+              <a:rPr lang="en-US" dirty="0" err="1" smtClean="0"/>
+              <a:t>buff</a:t>
+            </a:r>
+            <a:r>
+              <a:rPr lang="en-US" dirty="0" smtClean="0"/>
+              <a:t>; // </a:t>
+            </a:r>
+            <a:r>
+              <a:rPr lang="ru-RU" dirty="0" smtClean="0"/>
+              <a:t>тоже что и </a:t>
+            </a:r>
+            <a:r>
+              <a:rPr lang="en-US" dirty="0" smtClean="0"/>
+              <a:t>buffer&lt; </a:t>
+            </a:r>
+            <a:r>
+              <a:rPr lang="en-US" dirty="0" err="1" smtClean="0"/>
+              <a:t>int</a:t>
+            </a:r>
+            <a:r>
+              <a:rPr lang="en-US" dirty="0" smtClean="0"/>
+              <a:t>,  10 &gt; </a:t>
+            </a:r>
+            <a:r>
+              <a:rPr lang="en-US" dirty="0" err="1" smtClean="0"/>
+              <a:t>i_buff</a:t>
+            </a:r>
+            <a:r>
+              <a:rPr lang="en-US" dirty="0" smtClean="0"/>
+              <a:t> ;</a:t>
+            </a:r>
+          </a:p>
+          <a:p>
+            <a:r>
+              <a:rPr lang="en-US" dirty="0" smtClean="0"/>
+              <a:t>buffer&lt; </a:t>
+            </a:r>
+            <a:r>
+              <a:rPr lang="en-US" dirty="0" err="1" smtClean="0"/>
+              <a:t>my_class</a:t>
+            </a:r>
+            <a:r>
+              <a:rPr lang="en-US" dirty="0" smtClean="0"/>
+              <a:t> &gt; </a:t>
+            </a:r>
+            <a:r>
+              <a:rPr lang="en-US" dirty="0" err="1" smtClean="0"/>
+              <a:t>my_</a:t>
+            </a:r>
+            <a:r>
+              <a:rPr lang="en-US" dirty="0" err="1" smtClean="0"/>
+              <a:t>buff</a:t>
+            </a:r>
+            <a:r>
+              <a:rPr lang="en-US" dirty="0" smtClean="0"/>
+              <a:t>;</a:t>
+            </a:r>
+            <a:r>
+              <a:rPr lang="ru-RU" dirty="0" smtClean="0"/>
               <a:t> </a:t>
             </a:r>
             <a:r>
-              <a:rPr lang="en-US" sz="1600" dirty="0" err="1" smtClean="0"/>
-              <a:t>parse_message</a:t>
-            </a:r>
-            <a:r>
-              <a:rPr lang="en-US" sz="1600" dirty="0" smtClean="0"/>
-              <a:t>&lt; trade &gt;( const std::string&amp; message );</a:t>
-            </a:r>
-          </a:p>
-          <a:p>
-            <a:pPr marL="169863"/>
-            <a:r>
-              <a:rPr lang="en-US" sz="1600" dirty="0" smtClean="0"/>
-              <a:t>template&lt;&gt;</a:t>
-            </a:r>
-          </a:p>
-          <a:p>
-            <a:pPr marL="169863"/>
-            <a:r>
-              <a:rPr lang="en-US" sz="1600" dirty="0" err="1" smtClean="0"/>
-              <a:t>bool</a:t>
-            </a:r>
-            <a:r>
-              <a:rPr lang="en-US" sz="1600" dirty="0" smtClean="0"/>
-              <a:t> </a:t>
-            </a:r>
-            <a:r>
-              <a:rPr lang="en-US" sz="1600" dirty="0" err="1" smtClean="0"/>
-              <a:t>parse_message</a:t>
-            </a:r>
-            <a:r>
-              <a:rPr lang="en-US" sz="1600" dirty="0" smtClean="0"/>
-              <a:t>&lt; limit &gt;( const std::string&amp; message );</a:t>
-            </a:r>
-            <a:endParaRPr lang="en-US" sz="1600" dirty="0"/>
-          </a:p>
-          <a:p>
-            <a:pPr marL="169863"/>
-            <a:r>
-              <a:rPr lang="en-US" sz="1600" dirty="0" smtClean="0"/>
-              <a:t>// parser.cpp</a:t>
-            </a:r>
-          </a:p>
-          <a:p>
-            <a:pPr marL="169863"/>
-            <a:r>
-              <a:rPr lang="en-US" sz="1600" dirty="0" smtClean="0"/>
-              <a:t>template&lt;&gt;</a:t>
-            </a:r>
-          </a:p>
-          <a:p>
-            <a:pPr marL="169863"/>
-            <a:r>
-              <a:rPr lang="en-US" sz="1600" dirty="0" err="1" smtClean="0"/>
-              <a:t>bool</a:t>
-            </a:r>
-            <a:r>
-              <a:rPr lang="en-US" sz="1600" dirty="0" smtClean="0"/>
-              <a:t> </a:t>
-            </a:r>
-            <a:r>
-              <a:rPr lang="en-US" sz="1600" dirty="0" err="1" smtClean="0"/>
-              <a:t>parse_message</a:t>
-            </a:r>
-            <a:r>
-              <a:rPr lang="en-US" sz="1600" dirty="0" smtClean="0"/>
-              <a:t>&lt; trade &gt;( const std::string&amp; message )</a:t>
-            </a:r>
-            <a:r>
-              <a:rPr lang="ru-RU" sz="1600" dirty="0" smtClean="0"/>
-              <a:t> </a:t>
-            </a:r>
-            <a:r>
-              <a:rPr lang="en-US" sz="1600" dirty="0" smtClean="0"/>
-              <a:t>{</a:t>
-            </a:r>
-            <a:r>
-              <a:rPr lang="ru-RU" sz="1600" dirty="0" smtClean="0"/>
-              <a:t> </a:t>
-            </a:r>
-            <a:r>
-              <a:rPr lang="en-US" sz="1600" dirty="0" smtClean="0"/>
-              <a:t>// …</a:t>
-            </a:r>
-            <a:r>
-              <a:rPr lang="ru-RU" sz="1600" dirty="0" smtClean="0"/>
-              <a:t> </a:t>
-            </a:r>
-            <a:r>
-              <a:rPr lang="en-US" sz="1600" dirty="0" smtClean="0"/>
-              <a:t>}</a:t>
-            </a:r>
-            <a:endParaRPr lang="en-US" sz="1600" dirty="0" smtClean="0"/>
+              <a:rPr lang="en-US" dirty="0" smtClean="0"/>
+              <a:t>// </a:t>
+            </a:r>
+            <a:r>
+              <a:rPr lang="ru-RU" dirty="0" smtClean="0"/>
+              <a:t>тоже что и </a:t>
+            </a:r>
+            <a:r>
+              <a:rPr lang="en-US" dirty="0" smtClean="0"/>
+              <a:t>buffer&lt; </a:t>
+            </a:r>
+            <a:r>
+              <a:rPr lang="en-US" dirty="0" smtClean="0"/>
+              <a:t>class</a:t>
+            </a:r>
+            <a:r>
+              <a:rPr lang="en-US" dirty="0" smtClean="0"/>
+              <a:t>,  10 &gt; </a:t>
+            </a:r>
+            <a:r>
+              <a:rPr lang="en-US" dirty="0" err="1" smtClean="0"/>
+              <a:t>my_buff</a:t>
+            </a:r>
+            <a:r>
+              <a:rPr lang="en-US" dirty="0" smtClean="0"/>
+              <a:t> ;</a:t>
+            </a:r>
+            <a:endParaRPr lang="en-US" dirty="0"/>
           </a:p>
         </p:txBody>
       </p:sp>
@@ -4468,6 +4008,1345 @@
       </p:grpSpPr>
       <p:sp>
         <p:nvSpPr>
+          <p:cNvPr id="7" name="Скругленная прямоугольная выноска 6"/>
+          <p:cNvSpPr/>
+          <p:nvPr/>
+        </p:nvSpPr>
+        <p:spPr>
+          <a:xfrm flipH="1">
+            <a:off x="5791200" y="4495800"/>
+            <a:ext cx="1981200" cy="685800"/>
+          </a:xfrm>
+          <a:prstGeom prst="wedgeRoundRectCallout">
+            <a:avLst/>
+          </a:prstGeom>
+          <a:noFill/>
+          <a:ln>
+            <a:solidFill>
+              <a:schemeClr val="tx1"/>
+            </a:solidFill>
+          </a:ln>
+        </p:spPr>
+        <p:style>
+          <a:lnRef idx="2">
+            <a:schemeClr val="accent1">
+              <a:shade val="50000"/>
+            </a:schemeClr>
+          </a:lnRef>
+          <a:fillRef idx="1">
+            <a:schemeClr val="accent1"/>
+          </a:fillRef>
+          <a:effectRef idx="0">
+            <a:schemeClr val="accent1"/>
+          </a:effectRef>
+          <a:fontRef idx="minor">
+            <a:schemeClr val="lt1"/>
+          </a:fontRef>
+        </p:style>
+        <p:txBody>
+          <a:bodyPr rtlCol="0" anchor="ctr"/>
+          <a:lstStyle/>
+          <a:p>
+            <a:pPr algn="ctr"/>
+            <a:r>
+              <a:rPr lang="ru-RU" dirty="0" smtClean="0">
+                <a:solidFill>
+                  <a:schemeClr val="tx1"/>
+                </a:solidFill>
+              </a:rPr>
+              <a:t>Не работает для классов </a:t>
+            </a:r>
+            <a:endParaRPr lang="en-US" dirty="0">
+              <a:solidFill>
+                <a:schemeClr val="tx1"/>
+              </a:solidFill>
+            </a:endParaRPr>
+          </a:p>
+        </p:txBody>
+      </p:sp>
+      <p:sp>
+        <p:nvSpPr>
+          <p:cNvPr id="2" name="Заголовок 1"/>
+          <p:cNvSpPr>
+            <a:spLocks noGrp="1"/>
+          </p:cNvSpPr>
+          <p:nvPr>
+            <p:ph type="title"/>
+          </p:nvPr>
+        </p:nvSpPr>
+        <p:spPr/>
+        <p:txBody>
+          <a:bodyPr/>
+          <a:lstStyle/>
+          <a:p>
+            <a:r>
+              <a:rPr lang="ru-RU" dirty="0" smtClean="0"/>
+              <a:t>выведение</a:t>
+            </a:r>
+            <a:endParaRPr lang="en-US" dirty="0"/>
+          </a:p>
+        </p:txBody>
+      </p:sp>
+      <p:sp>
+        <p:nvSpPr>
+          <p:cNvPr id="5" name="Rounded Rectangle 3"/>
+          <p:cNvSpPr/>
+          <p:nvPr/>
+        </p:nvSpPr>
+        <p:spPr>
+          <a:xfrm>
+            <a:off x="990600" y="1676400"/>
+            <a:ext cx="7543800" cy="2590800"/>
+          </a:xfrm>
+          <a:prstGeom prst="roundRect">
+            <a:avLst/>
+          </a:prstGeom>
+        </p:spPr>
+        <p:style>
+          <a:lnRef idx="2">
+            <a:schemeClr val="accent1">
+              <a:shade val="50000"/>
+            </a:schemeClr>
+          </a:lnRef>
+          <a:fillRef idx="1">
+            <a:schemeClr val="accent1"/>
+          </a:fillRef>
+          <a:effectRef idx="0">
+            <a:schemeClr val="accent1"/>
+          </a:effectRef>
+          <a:fontRef idx="minor">
+            <a:schemeClr val="lt1"/>
+          </a:fontRef>
+        </p:style>
+        <p:txBody>
+          <a:bodyPr numCol="1" rtlCol="0" anchor="ctr"/>
+          <a:lstStyle/>
+          <a:p>
+            <a:r>
+              <a:rPr lang="en-US" dirty="0" smtClean="0"/>
+              <a:t>template &lt;class </a:t>
+            </a:r>
+            <a:r>
+              <a:rPr lang="en-US" dirty="0" err="1" smtClean="0"/>
+              <a:t>RandomAccessIterator</a:t>
+            </a:r>
+            <a:r>
+              <a:rPr lang="en-US" dirty="0" smtClean="0"/>
+              <a:t>&gt; void sort (</a:t>
+            </a:r>
+            <a:r>
+              <a:rPr lang="en-US" dirty="0" err="1" smtClean="0"/>
+              <a:t>RandomAccessIterator</a:t>
+            </a:r>
+            <a:r>
+              <a:rPr lang="en-US" dirty="0" smtClean="0"/>
+              <a:t> first, </a:t>
+            </a:r>
+            <a:r>
+              <a:rPr lang="en-US" dirty="0" err="1" smtClean="0"/>
+              <a:t>RandomAccessIterator</a:t>
+            </a:r>
+            <a:r>
+              <a:rPr lang="en-US" dirty="0" smtClean="0"/>
+              <a:t> last);</a:t>
+            </a:r>
+            <a:endParaRPr lang="ru-RU" dirty="0" smtClean="0"/>
+          </a:p>
+          <a:p>
+            <a:endParaRPr lang="ru-RU" dirty="0"/>
+          </a:p>
+          <a:p>
+            <a:r>
+              <a:rPr lang="en-US" dirty="0" err="1"/>
+              <a:t>int</a:t>
+            </a:r>
+            <a:r>
+              <a:rPr lang="en-US" dirty="0" smtClean="0"/>
+              <a:t> </a:t>
+            </a:r>
+            <a:r>
+              <a:rPr lang="en-US" dirty="0" err="1" smtClean="0"/>
+              <a:t>myints</a:t>
+            </a:r>
+            <a:r>
+              <a:rPr lang="en-US" dirty="0" smtClean="0"/>
+              <a:t>[] = {32,71,12,45,26,80,53,33}; </a:t>
+            </a:r>
+          </a:p>
+          <a:p>
+            <a:r>
+              <a:rPr lang="en-US" dirty="0" err="1" smtClean="0"/>
+              <a:t>typedef</a:t>
+            </a:r>
+            <a:r>
+              <a:rPr lang="en-US" dirty="0" smtClean="0"/>
+              <a:t> </a:t>
+            </a:r>
+            <a:r>
+              <a:rPr lang="en-US" dirty="0" smtClean="0"/>
+              <a:t>std::vector&lt;</a:t>
+            </a:r>
+            <a:r>
+              <a:rPr lang="ru-RU" dirty="0" smtClean="0"/>
+              <a:t> </a:t>
+            </a:r>
+            <a:r>
+              <a:rPr lang="en-US" dirty="0" err="1" smtClean="0"/>
+              <a:t>int</a:t>
+            </a:r>
+            <a:r>
+              <a:rPr lang="ru-RU" dirty="0" smtClean="0"/>
+              <a:t> </a:t>
+            </a:r>
+            <a:r>
+              <a:rPr lang="en-US" dirty="0" smtClean="0"/>
+              <a:t>&gt; </a:t>
+            </a:r>
+            <a:r>
+              <a:rPr lang="en-US" dirty="0" err="1" smtClean="0"/>
+              <a:t>vector_type</a:t>
+            </a:r>
+            <a:r>
+              <a:rPr lang="en-US" dirty="0" smtClean="0"/>
+              <a:t>;</a:t>
+            </a:r>
+            <a:endParaRPr lang="ru-RU" dirty="0" smtClean="0"/>
+          </a:p>
+          <a:p>
+            <a:r>
+              <a:rPr lang="en-US" dirty="0" err="1" smtClean="0"/>
+              <a:t>vector_type</a:t>
+            </a:r>
+            <a:r>
+              <a:rPr lang="en-US" dirty="0" smtClean="0"/>
+              <a:t> </a:t>
+            </a:r>
+            <a:r>
+              <a:rPr lang="en-US" dirty="0" err="1" smtClean="0"/>
+              <a:t>myvector</a:t>
+            </a:r>
+            <a:r>
+              <a:rPr lang="en-US" dirty="0" smtClean="0"/>
+              <a:t> (</a:t>
+            </a:r>
+            <a:r>
+              <a:rPr lang="ru-RU" dirty="0" smtClean="0"/>
+              <a:t> </a:t>
+            </a:r>
+            <a:r>
+              <a:rPr lang="en-US" dirty="0" err="1" smtClean="0"/>
+              <a:t>myints</a:t>
+            </a:r>
+            <a:r>
+              <a:rPr lang="en-US" dirty="0" smtClean="0"/>
+              <a:t>, myints+8</a:t>
+            </a:r>
+            <a:r>
+              <a:rPr lang="ru-RU" dirty="0" smtClean="0"/>
+              <a:t> </a:t>
+            </a:r>
+            <a:r>
+              <a:rPr lang="en-US" dirty="0" smtClean="0"/>
+              <a:t>); </a:t>
+            </a:r>
+            <a:endParaRPr lang="ru-RU" dirty="0" smtClean="0"/>
+          </a:p>
+          <a:p>
+            <a:r>
+              <a:rPr lang="en-US" dirty="0" smtClean="0"/>
+              <a:t>std::sort (</a:t>
+            </a:r>
+            <a:r>
+              <a:rPr lang="ru-RU" dirty="0" smtClean="0"/>
+              <a:t> </a:t>
+            </a:r>
+            <a:r>
+              <a:rPr lang="en-US" dirty="0" err="1" smtClean="0"/>
+              <a:t>myvector.begin</a:t>
+            </a:r>
+            <a:r>
+              <a:rPr lang="en-US" dirty="0" smtClean="0"/>
+              <a:t>(), </a:t>
+            </a:r>
+            <a:r>
+              <a:rPr lang="en-US" dirty="0" err="1" smtClean="0"/>
+              <a:t>myvector.end</a:t>
+            </a:r>
+            <a:r>
+              <a:rPr lang="en-US" dirty="0" smtClean="0"/>
+              <a:t>() ); </a:t>
+            </a:r>
+          </a:p>
+          <a:p>
+            <a:r>
+              <a:rPr lang="en-US" dirty="0" smtClean="0"/>
+              <a:t>// std::sort&lt; </a:t>
+            </a:r>
+            <a:r>
+              <a:rPr lang="en-US" dirty="0" err="1" smtClean="0"/>
+              <a:t>vector_type</a:t>
+            </a:r>
+            <a:r>
+              <a:rPr lang="en-US" dirty="0" smtClean="0"/>
+              <a:t>::</a:t>
+            </a:r>
+            <a:r>
+              <a:rPr lang="en-US" dirty="0" err="1" smtClean="0"/>
+              <a:t>iteratoe</a:t>
+            </a:r>
+            <a:r>
+              <a:rPr lang="en-US" dirty="0" smtClean="0"/>
+              <a:t> &gt;(</a:t>
+            </a:r>
+            <a:r>
+              <a:rPr lang="ru-RU" dirty="0" smtClean="0"/>
+              <a:t> </a:t>
+            </a:r>
+            <a:r>
+              <a:rPr lang="en-US" dirty="0" err="1" smtClean="0"/>
+              <a:t>myvector.begin</a:t>
+            </a:r>
+            <a:r>
+              <a:rPr lang="en-US" dirty="0" smtClean="0"/>
+              <a:t>(), </a:t>
+            </a:r>
+            <a:r>
+              <a:rPr lang="en-US" dirty="0" err="1" smtClean="0"/>
+              <a:t>myvector.end</a:t>
+            </a:r>
+            <a:r>
+              <a:rPr lang="en-US" dirty="0" smtClean="0"/>
+              <a:t>() ); </a:t>
+            </a:r>
+          </a:p>
+          <a:p>
+            <a:endParaRPr lang="en-US" dirty="0"/>
+          </a:p>
+        </p:txBody>
+      </p:sp>
+      <p:pic>
+        <p:nvPicPr>
+          <p:cNvPr id="6" name="Рисунок 5" descr="1.jpg"/>
+          <p:cNvPicPr>
+            <a:picLocks noChangeAspect="1"/>
+          </p:cNvPicPr>
+          <p:nvPr/>
+        </p:nvPicPr>
+        <p:blipFill>
+          <a:blip r:embed="rId2" cstate="print"/>
+          <a:stretch>
+            <a:fillRect/>
+          </a:stretch>
+        </p:blipFill>
+        <p:spPr>
+          <a:xfrm>
+            <a:off x="7086600" y="4724400"/>
+            <a:ext cx="1600200" cy="1768221"/>
+          </a:xfrm>
+          <a:prstGeom prst="rect">
+            <a:avLst/>
+          </a:prstGeom>
+        </p:spPr>
+      </p:pic>
+    </p:spTree>
+  </p:cSld>
+  <p:clrMapOvr>
+    <a:masterClrMapping/>
+  </p:clrMapOvr>
+  <p:timing>
+    <p:tnLst>
+      <p:par>
+        <p:cTn id="1" dur="indefinite" restart="never" nodeType="tmRoot"/>
+      </p:par>
+    </p:tnLst>
+  </p:timing>
+</p:sld>
+</file>
+
+<file path=ppt/slides/slide15.xml><?xml version="1.0" encoding="utf-8"?>
+<p:sld xmlns:a="http://schemas.openxmlformats.org/drawingml/2006/main" xmlns:r="http://schemas.openxmlformats.org/officeDocument/2006/relationships" xmlns:p="http://schemas.openxmlformats.org/presentationml/2006/main">
+  <p:cSld>
+    <p:spTree>
+      <p:nvGrpSpPr>
+        <p:cNvPr id="1" name=""/>
+        <p:cNvGrpSpPr/>
+        <p:nvPr/>
+      </p:nvGrpSpPr>
+      <p:grpSpPr>
+        <a:xfrm>
+          <a:off x="0" y="0"/>
+          <a:ext cx="0" cy="0"/>
+          <a:chOff x="0" y="0"/>
+          <a:chExt cx="0" cy="0"/>
+        </a:xfrm>
+      </p:grpSpPr>
+      <p:sp>
+        <p:nvSpPr>
+          <p:cNvPr id="2" name="Заголовок 1"/>
+          <p:cNvSpPr>
+            <a:spLocks noGrp="1"/>
+          </p:cNvSpPr>
+          <p:nvPr>
+            <p:ph type="title"/>
+          </p:nvPr>
+        </p:nvSpPr>
+        <p:spPr/>
+        <p:txBody>
+          <a:bodyPr/>
+          <a:lstStyle/>
+          <a:p>
+            <a:r>
+              <a:rPr lang="ru-RU" dirty="0" smtClean="0"/>
+              <a:t>перегрузка</a:t>
+            </a:r>
+            <a:endParaRPr lang="en-US" dirty="0"/>
+          </a:p>
+        </p:txBody>
+      </p:sp>
+      <p:sp>
+        <p:nvSpPr>
+          <p:cNvPr id="4" name="Rounded Rectangle 3"/>
+          <p:cNvSpPr/>
+          <p:nvPr/>
+        </p:nvSpPr>
+        <p:spPr>
+          <a:xfrm>
+            <a:off x="990600" y="1371600"/>
+            <a:ext cx="7543800" cy="2971800"/>
+          </a:xfrm>
+          <a:prstGeom prst="roundRect">
+            <a:avLst/>
+          </a:prstGeom>
+        </p:spPr>
+        <p:style>
+          <a:lnRef idx="2">
+            <a:schemeClr val="accent1">
+              <a:shade val="50000"/>
+            </a:schemeClr>
+          </a:lnRef>
+          <a:fillRef idx="1">
+            <a:schemeClr val="accent1"/>
+          </a:fillRef>
+          <a:effectRef idx="0">
+            <a:schemeClr val="accent1"/>
+          </a:effectRef>
+          <a:fontRef idx="minor">
+            <a:schemeClr val="lt1"/>
+          </a:fontRef>
+        </p:style>
+        <p:txBody>
+          <a:bodyPr numCol="1" rtlCol="0" anchor="ctr"/>
+          <a:lstStyle/>
+          <a:p>
+            <a:r>
+              <a:rPr lang="en-US" dirty="0" smtClean="0"/>
+              <a:t>template&lt; class T &gt; T </a:t>
+            </a:r>
+            <a:r>
+              <a:rPr lang="en-US" dirty="0" err="1" smtClean="0"/>
+              <a:t>sqrt</a:t>
+            </a:r>
+            <a:r>
+              <a:rPr lang="en-US" dirty="0" smtClean="0"/>
+              <a:t>( T );</a:t>
+            </a:r>
+          </a:p>
+          <a:p>
+            <a:r>
+              <a:rPr lang="en-US" dirty="0" smtClean="0"/>
+              <a:t>template&lt; class T &gt; complex&lt; T &gt; </a:t>
+            </a:r>
+            <a:r>
+              <a:rPr lang="en-US" dirty="0" err="1" smtClean="0"/>
+              <a:t>sqrt</a:t>
+            </a:r>
+            <a:r>
+              <a:rPr lang="en-US" dirty="0" smtClean="0"/>
+              <a:t>( complex&lt; T &gt; );</a:t>
+            </a:r>
+          </a:p>
+          <a:p>
+            <a:r>
+              <a:rPr lang="en-US" dirty="0" smtClean="0"/>
+              <a:t>double </a:t>
+            </a:r>
+            <a:r>
+              <a:rPr lang="en-US" dirty="0" err="1" smtClean="0"/>
+              <a:t>sqrt</a:t>
+            </a:r>
+            <a:r>
+              <a:rPr lang="en-US" dirty="0" smtClean="0"/>
+              <a:t>( double );</a:t>
+            </a:r>
+          </a:p>
+          <a:p>
+            <a:endParaRPr lang="en-US" dirty="0"/>
+          </a:p>
+          <a:p>
+            <a:r>
+              <a:rPr lang="en-US" dirty="0" smtClean="0"/>
+              <a:t>void f( complex&lt; double &gt; z )</a:t>
+            </a:r>
+          </a:p>
+          <a:p>
+            <a:r>
+              <a:rPr lang="en-US" dirty="0" smtClean="0"/>
+              <a:t>{</a:t>
+            </a:r>
+          </a:p>
+          <a:p>
+            <a:r>
+              <a:rPr lang="en-US" dirty="0"/>
+              <a:t>	</a:t>
+            </a:r>
+            <a:r>
+              <a:rPr lang="en-US" dirty="0" err="1" smtClean="0"/>
+              <a:t>sqrt</a:t>
+            </a:r>
+            <a:r>
+              <a:rPr lang="en-US" dirty="0" smtClean="0"/>
+              <a:t>( 2 );		// </a:t>
+            </a:r>
+            <a:r>
+              <a:rPr lang="en-US" dirty="0" err="1" smtClean="0"/>
+              <a:t>sqrt</a:t>
+            </a:r>
+            <a:r>
+              <a:rPr lang="en-US" dirty="0" smtClean="0"/>
+              <a:t>&lt; </a:t>
+            </a:r>
+            <a:r>
+              <a:rPr lang="en-US" dirty="0" err="1" smtClean="0"/>
+              <a:t>int</a:t>
+            </a:r>
+            <a:r>
+              <a:rPr lang="en-US" dirty="0" smtClean="0"/>
+              <a:t> &gt;( </a:t>
+            </a:r>
+            <a:r>
+              <a:rPr lang="en-US" dirty="0" err="1" smtClean="0"/>
+              <a:t>int</a:t>
+            </a:r>
+            <a:r>
+              <a:rPr lang="en-US" dirty="0" smtClean="0"/>
+              <a:t> )</a:t>
+            </a:r>
+          </a:p>
+          <a:p>
+            <a:r>
+              <a:rPr lang="en-US" dirty="0"/>
+              <a:t>	</a:t>
+            </a:r>
+            <a:r>
+              <a:rPr lang="en-US" dirty="0" err="1" smtClean="0"/>
+              <a:t>sqrt</a:t>
+            </a:r>
+            <a:r>
+              <a:rPr lang="en-US" dirty="0" smtClean="0"/>
+              <a:t>( 2.0 ); 	// </a:t>
+            </a:r>
+            <a:r>
+              <a:rPr lang="en-US" dirty="0" err="1" smtClean="0"/>
+              <a:t>sqrt</a:t>
+            </a:r>
+            <a:r>
+              <a:rPr lang="en-US" dirty="0" smtClean="0"/>
+              <a:t>( double )</a:t>
+            </a:r>
+          </a:p>
+          <a:p>
+            <a:r>
+              <a:rPr lang="en-US" dirty="0"/>
+              <a:t>	</a:t>
+            </a:r>
+            <a:r>
+              <a:rPr lang="en-US" dirty="0" err="1" smtClean="0"/>
+              <a:t>sqrt</a:t>
+            </a:r>
+            <a:r>
+              <a:rPr lang="en-US" dirty="0" smtClean="0"/>
+              <a:t>( z );		// </a:t>
+            </a:r>
+            <a:r>
+              <a:rPr lang="en-US" dirty="0" err="1" smtClean="0"/>
+              <a:t>sqrt</a:t>
+            </a:r>
+            <a:r>
+              <a:rPr lang="en-US" dirty="0" smtClean="0"/>
+              <a:t>&lt; double &gt;( complex&lt; double &gt; )</a:t>
+            </a:r>
+            <a:r>
+              <a:rPr lang="en-US" dirty="0" smtClean="0"/>
+              <a:t/>
+            </a:r>
+            <a:br>
+              <a:rPr lang="en-US" dirty="0" smtClean="0"/>
+            </a:br>
+            <a:r>
+              <a:rPr lang="en-US" dirty="0" smtClean="0"/>
+              <a:t>}</a:t>
+            </a:r>
+            <a:endParaRPr lang="en-US" dirty="0"/>
+          </a:p>
+        </p:txBody>
+      </p:sp>
+      <p:sp>
+        <p:nvSpPr>
+          <p:cNvPr id="5" name="Rounded Rectangle 3"/>
+          <p:cNvSpPr/>
+          <p:nvPr/>
+        </p:nvSpPr>
+        <p:spPr>
+          <a:xfrm>
+            <a:off x="990600" y="4648200"/>
+            <a:ext cx="7543800" cy="1676400"/>
+          </a:xfrm>
+          <a:prstGeom prst="roundRect">
+            <a:avLst/>
+          </a:prstGeom>
+        </p:spPr>
+        <p:style>
+          <a:lnRef idx="2">
+            <a:schemeClr val="accent1">
+              <a:shade val="50000"/>
+            </a:schemeClr>
+          </a:lnRef>
+          <a:fillRef idx="1">
+            <a:schemeClr val="accent1"/>
+          </a:fillRef>
+          <a:effectRef idx="0">
+            <a:schemeClr val="accent1"/>
+          </a:effectRef>
+          <a:fontRef idx="minor">
+            <a:schemeClr val="lt1"/>
+          </a:fontRef>
+        </p:style>
+        <p:txBody>
+          <a:bodyPr numCol="1" rtlCol="0" anchor="ctr"/>
+          <a:lstStyle/>
+          <a:p>
+            <a:r>
+              <a:rPr lang="en-US" dirty="0" smtClean="0"/>
+              <a:t>template&lt; clas</a:t>
+            </a:r>
+            <a:r>
+              <a:rPr lang="en-US" dirty="0" smtClean="0"/>
+              <a:t>s T&gt; max( </a:t>
+            </a:r>
+            <a:r>
+              <a:rPr lang="en-US" dirty="0" err="1" smtClean="0"/>
+              <a:t>cosnt</a:t>
+            </a:r>
+            <a:r>
+              <a:rPr lang="en-US" dirty="0" smtClean="0"/>
+              <a:t> T&amp;, </a:t>
+            </a:r>
+            <a:r>
+              <a:rPr lang="en-US" dirty="0" err="1" smtClean="0"/>
+              <a:t>cosnt</a:t>
+            </a:r>
+            <a:r>
+              <a:rPr lang="en-US" dirty="0" smtClean="0"/>
+              <a:t> T&amp; );</a:t>
+            </a:r>
+          </a:p>
+          <a:p>
+            <a:endParaRPr lang="en-US" dirty="0"/>
+          </a:p>
+          <a:p>
+            <a:r>
+              <a:rPr lang="en-US" dirty="0" smtClean="0"/>
+              <a:t>void k()</a:t>
+            </a:r>
+          </a:p>
+          <a:p>
+            <a:r>
+              <a:rPr lang="en-US" dirty="0" smtClean="0"/>
+              <a:t>{</a:t>
+            </a:r>
+          </a:p>
+          <a:p>
+            <a:r>
+              <a:rPr lang="en-US" dirty="0"/>
+              <a:t>	</a:t>
+            </a:r>
+            <a:r>
+              <a:rPr lang="en-US" dirty="0" smtClean="0"/>
+              <a:t>max( 7, ‘a’ ); \\ </a:t>
+            </a:r>
+            <a:r>
+              <a:rPr lang="ru-RU" dirty="0" smtClean="0"/>
+              <a:t>ошибка неоднозначность, нет преобразования</a:t>
+            </a:r>
+            <a:endParaRPr lang="en-US" dirty="0" smtClean="0"/>
+          </a:p>
+          <a:p>
+            <a:r>
+              <a:rPr lang="en-US" dirty="0"/>
+              <a:t>}</a:t>
+            </a:r>
+            <a:endParaRPr lang="en-US" dirty="0"/>
+          </a:p>
+        </p:txBody>
+      </p:sp>
+    </p:spTree>
+  </p:cSld>
+  <p:clrMapOvr>
+    <a:masterClrMapping/>
+  </p:clrMapOvr>
+  <p:timing>
+    <p:tnLst>
+      <p:par>
+        <p:cTn id="1" dur="indefinite" restart="never" nodeType="tmRoot"/>
+      </p:par>
+    </p:tnLst>
+  </p:timing>
+</p:sld>
+</file>
+
+<file path=ppt/slides/slide16.xml><?xml version="1.0" encoding="utf-8"?>
+<p:sld xmlns:a="http://schemas.openxmlformats.org/drawingml/2006/main" xmlns:r="http://schemas.openxmlformats.org/officeDocument/2006/relationships" xmlns:p="http://schemas.openxmlformats.org/presentationml/2006/main">
+  <p:cSld>
+    <p:spTree>
+      <p:nvGrpSpPr>
+        <p:cNvPr id="1" name=""/>
+        <p:cNvGrpSpPr/>
+        <p:nvPr/>
+      </p:nvGrpSpPr>
+      <p:grpSpPr>
+        <a:xfrm>
+          <a:off x="0" y="0"/>
+          <a:ext cx="0" cy="0"/>
+          <a:chOff x="0" y="0"/>
+          <a:chExt cx="0" cy="0"/>
+        </a:xfrm>
+      </p:grpSpPr>
+      <p:sp>
+        <p:nvSpPr>
+          <p:cNvPr id="2" name="Заголовок 1"/>
+          <p:cNvSpPr>
+            <a:spLocks noGrp="1"/>
+          </p:cNvSpPr>
+          <p:nvPr>
+            <p:ph type="title"/>
+          </p:nvPr>
+        </p:nvSpPr>
+        <p:spPr/>
+        <p:txBody>
+          <a:bodyPr/>
+          <a:lstStyle/>
+          <a:p>
+            <a:r>
+              <a:rPr lang="ru-RU" dirty="0" smtClean="0"/>
+              <a:t>специализация</a:t>
+            </a:r>
+            <a:endParaRPr lang="en-US" dirty="0"/>
+          </a:p>
+        </p:txBody>
+      </p:sp>
+      <p:sp>
+        <p:nvSpPr>
+          <p:cNvPr id="4" name="Rounded Rectangle 3"/>
+          <p:cNvSpPr/>
+          <p:nvPr/>
+        </p:nvSpPr>
+        <p:spPr>
+          <a:xfrm>
+            <a:off x="685800" y="1295400"/>
+            <a:ext cx="8153400" cy="4876800"/>
+          </a:xfrm>
+          <a:prstGeom prst="roundRect">
+            <a:avLst/>
+          </a:prstGeom>
+        </p:spPr>
+        <p:style>
+          <a:lnRef idx="2">
+            <a:schemeClr val="accent1">
+              <a:shade val="50000"/>
+            </a:schemeClr>
+          </a:lnRef>
+          <a:fillRef idx="1">
+            <a:schemeClr val="accent1"/>
+          </a:fillRef>
+          <a:effectRef idx="0">
+            <a:schemeClr val="accent1"/>
+          </a:effectRef>
+          <a:fontRef idx="minor">
+            <a:schemeClr val="lt1"/>
+          </a:fontRef>
+        </p:style>
+        <p:txBody>
+          <a:bodyPr numCol="1" rtlCol="0" anchor="ctr"/>
+          <a:lstStyle/>
+          <a:p>
+            <a:pPr marL="169863"/>
+            <a:r>
+              <a:rPr lang="en-US" sz="1600" dirty="0" smtClean="0"/>
+              <a:t>// </a:t>
+            </a:r>
+            <a:r>
+              <a:rPr lang="en-US" sz="1600" dirty="0" err="1" smtClean="0"/>
+              <a:t>copy.h</a:t>
+            </a:r>
+            <a:endParaRPr lang="en-US" sz="1600" dirty="0" smtClean="0"/>
+          </a:p>
+          <a:p>
+            <a:pPr marL="169863"/>
+            <a:r>
+              <a:rPr lang="en-US" sz="1600" dirty="0" smtClean="0"/>
+              <a:t>template&lt; class C &gt; </a:t>
+            </a:r>
+          </a:p>
+          <a:p>
+            <a:pPr marL="169863"/>
+            <a:r>
+              <a:rPr lang="en-US" sz="1600" dirty="0" err="1" smtClean="0"/>
+              <a:t>bool</a:t>
+            </a:r>
+            <a:r>
+              <a:rPr lang="en-US" sz="1600" dirty="0" smtClean="0"/>
+              <a:t> copy( const C&amp; from, C&amp; to )</a:t>
+            </a:r>
+          </a:p>
+          <a:p>
+            <a:pPr marL="169863"/>
+            <a:r>
+              <a:rPr lang="en-US" sz="1600" dirty="0" smtClean="0"/>
+              <a:t>{</a:t>
+            </a:r>
+          </a:p>
+          <a:p>
+            <a:pPr marL="169863"/>
+            <a:r>
+              <a:rPr lang="en-US" sz="1600" dirty="0"/>
+              <a:t>	</a:t>
+            </a:r>
+            <a:r>
+              <a:rPr lang="en-US" sz="1600" dirty="0" smtClean="0"/>
+              <a:t>to = from;</a:t>
+            </a:r>
+          </a:p>
+          <a:p>
+            <a:pPr marL="169863"/>
+            <a:r>
+              <a:rPr lang="en-US" sz="1600" dirty="0" smtClean="0"/>
+              <a:t>	return true;</a:t>
+            </a:r>
+          </a:p>
+          <a:p>
+            <a:pPr marL="169863"/>
+            <a:r>
+              <a:rPr lang="en-US" sz="1600" dirty="0" smtClean="0"/>
+              <a:t>}</a:t>
+            </a:r>
+            <a:endParaRPr lang="en-US" sz="1600" dirty="0" smtClean="0"/>
+          </a:p>
+          <a:p>
+            <a:pPr marL="169863"/>
+            <a:r>
+              <a:rPr lang="en-US" sz="1600" dirty="0" smtClean="0"/>
+              <a:t>template&lt;&gt;</a:t>
+            </a:r>
+          </a:p>
+          <a:p>
+            <a:pPr marL="169863"/>
+            <a:r>
+              <a:rPr lang="en-US" sz="1600" dirty="0" err="1" smtClean="0"/>
+              <a:t>bool</a:t>
+            </a:r>
+            <a:r>
+              <a:rPr lang="en-US" sz="1600" dirty="0" smtClean="0"/>
+              <a:t> copy &lt; string&gt;( const string&amp; from, string&amp; to );</a:t>
+            </a:r>
+          </a:p>
+          <a:p>
+            <a:pPr marL="169863"/>
+            <a:endParaRPr lang="en-US" sz="1600" dirty="0" smtClean="0"/>
+          </a:p>
+          <a:p>
+            <a:pPr marL="169863"/>
+            <a:r>
+              <a:rPr lang="en-US" sz="1600" dirty="0" smtClean="0"/>
+              <a:t>// copy.cpp</a:t>
+            </a:r>
+          </a:p>
+          <a:p>
+            <a:pPr marL="169863"/>
+            <a:r>
+              <a:rPr lang="en-US" sz="1600" dirty="0" smtClean="0"/>
+              <a:t>template&lt;&gt;</a:t>
+            </a:r>
+          </a:p>
+          <a:p>
+            <a:pPr marL="169863"/>
+            <a:r>
+              <a:rPr lang="en-US" sz="1600" dirty="0" err="1" smtClean="0"/>
+              <a:t>bool</a:t>
+            </a:r>
+            <a:r>
+              <a:rPr lang="en-US" sz="1600" dirty="0" smtClean="0"/>
+              <a:t> copy &lt; string&gt;( const string&amp; from, string&amp; to )</a:t>
+            </a:r>
+            <a:r>
+              <a:rPr lang="ru-RU" sz="1600" dirty="0" smtClean="0"/>
+              <a:t> </a:t>
+            </a:r>
+            <a:r>
+              <a:rPr lang="en-US" sz="1600" dirty="0" smtClean="0"/>
+              <a:t>{</a:t>
+            </a:r>
+            <a:r>
+              <a:rPr lang="ru-RU" sz="1600" dirty="0" smtClean="0"/>
+              <a:t> </a:t>
+            </a:r>
+            <a:r>
+              <a:rPr lang="en-US" sz="1600" dirty="0"/>
+              <a:t>	</a:t>
+            </a:r>
+            <a:r>
+              <a:rPr lang="en-US" sz="1600" dirty="0" smtClean="0"/>
+              <a:t>// …</a:t>
+            </a:r>
+            <a:r>
+              <a:rPr lang="ru-RU" sz="1600" dirty="0" smtClean="0"/>
+              <a:t> </a:t>
+            </a:r>
+            <a:r>
+              <a:rPr lang="en-US" sz="1600" dirty="0" smtClean="0"/>
+              <a:t>}</a:t>
+            </a:r>
+          </a:p>
+          <a:p>
+            <a:pPr marL="169863"/>
+            <a:r>
+              <a:rPr lang="en-US" sz="1600" dirty="0" smtClean="0"/>
+              <a:t>template&lt;&gt;</a:t>
+            </a:r>
+          </a:p>
+          <a:p>
+            <a:pPr marL="169863"/>
+            <a:r>
+              <a:rPr lang="en-US" sz="1600" dirty="0" err="1" smtClean="0"/>
+              <a:t>bool</a:t>
+            </a:r>
+            <a:r>
+              <a:rPr lang="en-US" sz="1600" dirty="0" smtClean="0"/>
+              <a:t> copy &lt;&gt;( const vector&amp; from, vector&amp; to ) // ! </a:t>
+            </a:r>
+            <a:r>
+              <a:rPr lang="ru-RU" sz="1600" dirty="0" smtClean="0"/>
+              <a:t>тип </a:t>
+            </a:r>
+            <a:r>
+              <a:rPr lang="ru-RU" sz="1600" dirty="0" smtClean="0"/>
+              <a:t>определен через аргументы</a:t>
+            </a:r>
+            <a:endParaRPr lang="en-US" sz="1600" dirty="0" smtClean="0"/>
+          </a:p>
+          <a:p>
+            <a:pPr marL="169863"/>
+            <a:r>
+              <a:rPr lang="en-US" sz="1600" dirty="0" smtClean="0"/>
+              <a:t>{</a:t>
+            </a:r>
+          </a:p>
+          <a:p>
+            <a:pPr marL="169863"/>
+            <a:r>
+              <a:rPr lang="en-US" sz="1600" dirty="0" smtClean="0"/>
+              <a:t>	// …</a:t>
+            </a:r>
+          </a:p>
+          <a:p>
+            <a:pPr marL="169863"/>
+            <a:r>
+              <a:rPr lang="en-US" sz="1600" dirty="0" smtClean="0"/>
+              <a:t>}</a:t>
+            </a:r>
+            <a:endParaRPr lang="en-US" sz="1600" dirty="0" smtClean="0"/>
+          </a:p>
+        </p:txBody>
+      </p:sp>
+    </p:spTree>
+  </p:cSld>
+  <p:clrMapOvr>
+    <a:masterClrMapping/>
+  </p:clrMapOvr>
+  <p:timing>
+    <p:tnLst>
+      <p:par>
+        <p:cTn id="1" dur="indefinite" restart="never" nodeType="tmRoot"/>
+      </p:par>
+    </p:tnLst>
+  </p:timing>
+</p:sld>
+</file>
+
+<file path=ppt/slides/slide17.xml><?xml version="1.0" encoding="utf-8"?>
+<p:sld xmlns:a="http://schemas.openxmlformats.org/drawingml/2006/main" xmlns:r="http://schemas.openxmlformats.org/officeDocument/2006/relationships" xmlns:p="http://schemas.openxmlformats.org/presentationml/2006/main">
+  <p:cSld>
+    <p:spTree>
+      <p:nvGrpSpPr>
+        <p:cNvPr id="1" name=""/>
+        <p:cNvGrpSpPr/>
+        <p:nvPr/>
+      </p:nvGrpSpPr>
+      <p:grpSpPr>
+        <a:xfrm>
+          <a:off x="0" y="0"/>
+          <a:ext cx="0" cy="0"/>
+          <a:chOff x="0" y="0"/>
+          <a:chExt cx="0" cy="0"/>
+        </a:xfrm>
+      </p:grpSpPr>
+      <p:sp>
+        <p:nvSpPr>
+          <p:cNvPr id="2" name="Заголовок 1"/>
+          <p:cNvSpPr>
+            <a:spLocks noGrp="1"/>
+          </p:cNvSpPr>
+          <p:nvPr>
+            <p:ph type="title"/>
+          </p:nvPr>
+        </p:nvSpPr>
+        <p:spPr/>
+        <p:txBody>
+          <a:bodyPr/>
+          <a:lstStyle/>
+          <a:p>
+            <a:r>
+              <a:rPr lang="ru-RU" dirty="0" smtClean="0"/>
+              <a:t>специализация</a:t>
+            </a:r>
+            <a:endParaRPr lang="en-US" dirty="0"/>
+          </a:p>
+        </p:txBody>
+      </p:sp>
+      <p:sp>
+        <p:nvSpPr>
+          <p:cNvPr id="4" name="Rounded Rectangle 3"/>
+          <p:cNvSpPr/>
+          <p:nvPr/>
+        </p:nvSpPr>
+        <p:spPr>
+          <a:xfrm>
+            <a:off x="609600" y="1371600"/>
+            <a:ext cx="8305800" cy="4953000"/>
+          </a:xfrm>
+          <a:prstGeom prst="roundRect">
+            <a:avLst/>
+          </a:prstGeom>
+        </p:spPr>
+        <p:style>
+          <a:lnRef idx="2">
+            <a:schemeClr val="accent1">
+              <a:shade val="50000"/>
+            </a:schemeClr>
+          </a:lnRef>
+          <a:fillRef idx="1">
+            <a:schemeClr val="accent1"/>
+          </a:fillRef>
+          <a:effectRef idx="0">
+            <a:schemeClr val="accent1"/>
+          </a:effectRef>
+          <a:fontRef idx="minor">
+            <a:schemeClr val="lt1"/>
+          </a:fontRef>
+        </p:style>
+        <p:txBody>
+          <a:bodyPr numCol="1" rtlCol="0" anchor="ctr"/>
+          <a:lstStyle/>
+          <a:p>
+            <a:pPr marL="169863"/>
+            <a:r>
+              <a:rPr lang="en-US" sz="1600" dirty="0" smtClean="0"/>
+              <a:t>// </a:t>
+            </a:r>
+            <a:r>
+              <a:rPr lang="en-US" sz="1600" dirty="0" err="1" smtClean="0"/>
+              <a:t>parser.h</a:t>
+            </a:r>
+            <a:endParaRPr lang="en-US" sz="1600" dirty="0" smtClean="0"/>
+          </a:p>
+          <a:p>
+            <a:pPr marL="169863"/>
+            <a:r>
+              <a:rPr lang="en-US" sz="1600" dirty="0" err="1" smtClean="0"/>
+              <a:t>enum</a:t>
+            </a:r>
+            <a:r>
+              <a:rPr lang="en-US" sz="1600" dirty="0" smtClean="0"/>
+              <a:t>  </a:t>
+            </a:r>
+            <a:r>
+              <a:rPr lang="en-US" sz="1600" dirty="0" err="1" smtClean="0"/>
+              <a:t>message_type</a:t>
+            </a:r>
+            <a:endParaRPr lang="en-US" sz="1600" dirty="0" smtClean="0"/>
+          </a:p>
+          <a:p>
+            <a:pPr marL="169863"/>
+            <a:r>
+              <a:rPr lang="en-US" sz="1600" dirty="0" smtClean="0"/>
+              <a:t>{</a:t>
+            </a:r>
+          </a:p>
+          <a:p>
+            <a:pPr marL="169863"/>
+            <a:r>
+              <a:rPr lang="en-US" sz="1600" dirty="0"/>
+              <a:t>	</a:t>
+            </a:r>
+            <a:r>
+              <a:rPr lang="en-US" sz="1600" dirty="0" smtClean="0"/>
+              <a:t>trade = 1,</a:t>
+            </a:r>
+          </a:p>
+          <a:p>
+            <a:pPr marL="169863"/>
+            <a:r>
+              <a:rPr lang="en-US" sz="1600" dirty="0"/>
+              <a:t>	</a:t>
+            </a:r>
+            <a:r>
+              <a:rPr lang="en-US" sz="1600" dirty="0" smtClean="0"/>
+              <a:t>market = 2,</a:t>
+            </a:r>
+          </a:p>
+          <a:p>
+            <a:pPr marL="169863"/>
+            <a:r>
+              <a:rPr lang="en-US" sz="1600" dirty="0"/>
+              <a:t>	</a:t>
+            </a:r>
+            <a:r>
+              <a:rPr lang="en-US" sz="1600" dirty="0" smtClean="0"/>
+              <a:t>limit = 3,</a:t>
+            </a:r>
+            <a:r>
+              <a:rPr lang="en-US" sz="1600" dirty="0"/>
+              <a:t>	</a:t>
+            </a:r>
+            <a:endParaRPr lang="en-US" sz="1600" dirty="0" smtClean="0"/>
+          </a:p>
+          <a:p>
+            <a:pPr marL="169863"/>
+            <a:r>
+              <a:rPr lang="en-US" sz="1600" dirty="0" smtClean="0"/>
+              <a:t>};</a:t>
+            </a:r>
+          </a:p>
+          <a:p>
+            <a:pPr marL="169863"/>
+            <a:r>
+              <a:rPr lang="en-US" sz="1600" dirty="0" smtClean="0"/>
+              <a:t>template&lt; </a:t>
+            </a:r>
+            <a:r>
+              <a:rPr lang="en-US" sz="1600" dirty="0" err="1" smtClean="0"/>
+              <a:t>message_type</a:t>
+            </a:r>
+            <a:r>
+              <a:rPr lang="en-US" sz="1600" dirty="0" smtClean="0"/>
+              <a:t> type &gt; </a:t>
+            </a:r>
+          </a:p>
+          <a:p>
+            <a:pPr marL="169863"/>
+            <a:r>
+              <a:rPr lang="en-US" sz="1600" dirty="0" err="1" smtClean="0"/>
+              <a:t>bool</a:t>
+            </a:r>
+            <a:r>
+              <a:rPr lang="en-US" sz="1600" dirty="0" smtClean="0"/>
+              <a:t> </a:t>
+            </a:r>
+            <a:r>
+              <a:rPr lang="en-US" sz="1600" dirty="0" err="1" smtClean="0"/>
+              <a:t>parse_message</a:t>
+            </a:r>
+            <a:r>
+              <a:rPr lang="en-US" sz="1600" dirty="0" smtClean="0"/>
+              <a:t>( const std::string&amp; message )</a:t>
+            </a:r>
+          </a:p>
+          <a:p>
+            <a:pPr marL="169863"/>
+            <a:r>
+              <a:rPr lang="en-US" sz="1600" dirty="0" smtClean="0"/>
+              <a:t>{</a:t>
+            </a:r>
+          </a:p>
+          <a:p>
+            <a:pPr marL="169863"/>
+            <a:r>
+              <a:rPr lang="en-US" sz="1600" dirty="0" smtClean="0"/>
+              <a:t>	throw std::</a:t>
+            </a:r>
+            <a:r>
+              <a:rPr lang="en-US" sz="1600" dirty="0" err="1" smtClean="0"/>
+              <a:t>logic_error</a:t>
+            </a:r>
+            <a:r>
+              <a:rPr lang="en-US" sz="1600" dirty="0" smtClean="0"/>
+              <a:t>( “undefined message type” ):</a:t>
+            </a:r>
+          </a:p>
+          <a:p>
+            <a:pPr marL="169863"/>
+            <a:r>
+              <a:rPr lang="en-US" sz="1600" dirty="0" smtClean="0"/>
+              <a:t>}</a:t>
+            </a:r>
+            <a:endParaRPr lang="en-US" sz="1600" dirty="0" smtClean="0"/>
+          </a:p>
+          <a:p>
+            <a:pPr marL="169863"/>
+            <a:r>
+              <a:rPr lang="en-US" sz="1600" dirty="0" smtClean="0"/>
+              <a:t>template&lt;&gt;</a:t>
+            </a:r>
+          </a:p>
+          <a:p>
+            <a:pPr marL="169863"/>
+            <a:r>
+              <a:rPr lang="en-US" sz="1600" dirty="0" err="1" smtClean="0"/>
+              <a:t>bool</a:t>
+            </a:r>
+            <a:r>
+              <a:rPr lang="en-US" sz="1600" dirty="0" smtClean="0"/>
+              <a:t> </a:t>
+            </a:r>
+            <a:r>
+              <a:rPr lang="en-US" sz="1600" dirty="0" err="1" smtClean="0"/>
+              <a:t>parse_message</a:t>
+            </a:r>
+            <a:r>
+              <a:rPr lang="en-US" sz="1600" dirty="0" smtClean="0"/>
+              <a:t>&lt; trade &gt;( const std::string&amp; message );</a:t>
+            </a:r>
+          </a:p>
+          <a:p>
+            <a:pPr marL="169863"/>
+            <a:r>
+              <a:rPr lang="en-US" sz="1600" dirty="0" smtClean="0"/>
+              <a:t>template&lt;&gt;</a:t>
+            </a:r>
+          </a:p>
+          <a:p>
+            <a:pPr marL="169863"/>
+            <a:r>
+              <a:rPr lang="en-US" sz="1600" dirty="0" err="1" smtClean="0"/>
+              <a:t>bool</a:t>
+            </a:r>
+            <a:r>
+              <a:rPr lang="en-US" sz="1600" dirty="0" smtClean="0"/>
+              <a:t> </a:t>
+            </a:r>
+            <a:r>
+              <a:rPr lang="en-US" sz="1600" dirty="0" err="1" smtClean="0"/>
+              <a:t>parse_message</a:t>
+            </a:r>
+            <a:r>
+              <a:rPr lang="en-US" sz="1600" dirty="0" smtClean="0"/>
+              <a:t>&lt; limit &gt;( const std::string&amp; message );</a:t>
+            </a:r>
+            <a:endParaRPr lang="en-US" sz="1600" dirty="0"/>
+          </a:p>
+          <a:p>
+            <a:pPr marL="169863"/>
+            <a:r>
+              <a:rPr lang="en-US" sz="1600" dirty="0" smtClean="0"/>
+              <a:t>// parser.cpp</a:t>
+            </a:r>
+          </a:p>
+          <a:p>
+            <a:pPr marL="169863"/>
+            <a:r>
+              <a:rPr lang="en-US" sz="1600" dirty="0" smtClean="0"/>
+              <a:t>template&lt;&gt;</a:t>
+            </a:r>
+          </a:p>
+          <a:p>
+            <a:pPr marL="169863"/>
+            <a:r>
+              <a:rPr lang="en-US" sz="1600" dirty="0" err="1" smtClean="0"/>
+              <a:t>bool</a:t>
+            </a:r>
+            <a:r>
+              <a:rPr lang="en-US" sz="1600" dirty="0" smtClean="0"/>
+              <a:t> </a:t>
+            </a:r>
+            <a:r>
+              <a:rPr lang="en-US" sz="1600" dirty="0" err="1" smtClean="0"/>
+              <a:t>parse_message</a:t>
+            </a:r>
+            <a:r>
+              <a:rPr lang="en-US" sz="1600" dirty="0" smtClean="0"/>
+              <a:t>&lt; trade &gt;( const std::string&amp; message )</a:t>
+            </a:r>
+            <a:r>
+              <a:rPr lang="ru-RU" sz="1600" dirty="0" smtClean="0"/>
+              <a:t> </a:t>
+            </a:r>
+            <a:r>
+              <a:rPr lang="en-US" sz="1600" dirty="0" smtClean="0"/>
+              <a:t>{</a:t>
+            </a:r>
+            <a:r>
+              <a:rPr lang="ru-RU" sz="1600" dirty="0" smtClean="0"/>
+              <a:t> </a:t>
+            </a:r>
+            <a:r>
+              <a:rPr lang="en-US" sz="1600" dirty="0" smtClean="0"/>
+              <a:t>// …</a:t>
+            </a:r>
+            <a:r>
+              <a:rPr lang="ru-RU" sz="1600" dirty="0" smtClean="0"/>
+              <a:t> </a:t>
+            </a:r>
+            <a:r>
+              <a:rPr lang="en-US" sz="1600" dirty="0" smtClean="0"/>
+              <a:t>}</a:t>
+            </a:r>
+            <a:endParaRPr lang="en-US" sz="1600" dirty="0" smtClean="0"/>
+          </a:p>
+        </p:txBody>
+      </p:sp>
+    </p:spTree>
+  </p:cSld>
+  <p:clrMapOvr>
+    <a:masterClrMapping/>
+  </p:clrMapOvr>
+  <p:timing>
+    <p:tnLst>
+      <p:par>
+        <p:cTn id="1" dur="indefinite" restart="never" nodeType="tmRoot"/>
+      </p:par>
+    </p:tnLst>
+  </p:timing>
+</p:sld>
+</file>
+
+<file path=ppt/slides/slide18.xml><?xml version="1.0" encoding="utf-8"?>
+<p:sld xmlns:a="http://schemas.openxmlformats.org/drawingml/2006/main" xmlns:r="http://schemas.openxmlformats.org/officeDocument/2006/relationships" xmlns:p="http://schemas.openxmlformats.org/presentationml/2006/main">
+  <p:cSld>
+    <p:spTree>
+      <p:nvGrpSpPr>
+        <p:cNvPr id="1" name=""/>
+        <p:cNvGrpSpPr/>
+        <p:nvPr/>
+      </p:nvGrpSpPr>
+      <p:grpSpPr>
+        <a:xfrm>
+          <a:off x="0" y="0"/>
+          <a:ext cx="0" cy="0"/>
+          <a:chOff x="0" y="0"/>
+          <a:chExt cx="0" cy="0"/>
+        </a:xfrm>
+      </p:grpSpPr>
+      <p:sp>
+        <p:nvSpPr>
           <p:cNvPr id="2" name="Заголовок 1"/>
           <p:cNvSpPr>
             <a:spLocks noGrp="1"/>
@@ -4612,7 +5491,7 @@
 </p:sld>
 </file>
 
-<file path=ppt/slides/slide15.xml><?xml version="1.0" encoding="utf-8"?>
+<file path=ppt/slides/slide19.xml><?xml version="1.0" encoding="utf-8"?>
 <p:sld xmlns:a="http://schemas.openxmlformats.org/drawingml/2006/main" xmlns:r="http://schemas.openxmlformats.org/officeDocument/2006/relationships" xmlns:p="http://schemas.openxmlformats.org/presentationml/2006/main">
   <p:cSld>
     <p:spTree>
@@ -4677,260 +5556,6 @@
               <a:rPr lang="ru-RU" dirty="0" smtClean="0"/>
               <a:t>Полиморфизм времени компиляции</a:t>
             </a:r>
-            <a:endParaRPr lang="en-US" dirty="0"/>
-          </a:p>
-        </p:txBody>
-      </p:sp>
-    </p:spTree>
-  </p:cSld>
-  <p:clrMapOvr>
-    <a:masterClrMapping/>
-  </p:clrMapOvr>
-</p:sld>
-</file>
-
-<file path=ppt/slides/slide16.xml><?xml version="1.0" encoding="utf-8"?>
-<p:sld xmlns:a="http://schemas.openxmlformats.org/drawingml/2006/main" xmlns:r="http://schemas.openxmlformats.org/officeDocument/2006/relationships" xmlns:p="http://schemas.openxmlformats.org/presentationml/2006/main">
-  <p:cSld>
-    <p:spTree>
-      <p:nvGrpSpPr>
-        <p:cNvPr id="1" name=""/>
-        <p:cNvGrpSpPr/>
-        <p:nvPr/>
-      </p:nvGrpSpPr>
-      <p:grpSpPr>
-        <a:xfrm>
-          <a:off x="0" y="0"/>
-          <a:ext cx="0" cy="0"/>
-          <a:chOff x="0" y="0"/>
-          <a:chExt cx="0" cy="0"/>
-        </a:xfrm>
-      </p:grpSpPr>
-      <p:sp>
-        <p:nvSpPr>
-          <p:cNvPr id="2" name="Заголовок 1"/>
-          <p:cNvSpPr>
-            <a:spLocks noGrp="1"/>
-          </p:cNvSpPr>
-          <p:nvPr>
-            <p:ph type="title"/>
-          </p:nvPr>
-        </p:nvSpPr>
-        <p:spPr/>
-        <p:txBody>
-          <a:bodyPr/>
-          <a:lstStyle/>
-          <a:p>
-            <a:r>
-              <a:rPr lang="ru-RU" dirty="0" smtClean="0"/>
-              <a:t>члены-шаблоны</a:t>
-            </a:r>
-            <a:endParaRPr lang="en-US" dirty="0"/>
-          </a:p>
-        </p:txBody>
-      </p:sp>
-      <p:sp>
-        <p:nvSpPr>
-          <p:cNvPr id="3" name="Содержимое 2"/>
-          <p:cNvSpPr>
-            <a:spLocks noGrp="1"/>
-          </p:cNvSpPr>
-          <p:nvPr>
-            <p:ph idx="1"/>
-          </p:nvPr>
-        </p:nvSpPr>
-        <p:spPr/>
-        <p:txBody>
-          <a:bodyPr/>
-          <a:lstStyle/>
-          <a:p>
-            <a:endParaRPr lang="en-US"/>
-          </a:p>
-        </p:txBody>
-      </p:sp>
-    </p:spTree>
-  </p:cSld>
-  <p:clrMapOvr>
-    <a:masterClrMapping/>
-  </p:clrMapOvr>
-</p:sld>
-</file>
-
-<file path=ppt/slides/slide17.xml><?xml version="1.0" encoding="utf-8"?>
-<p:sld xmlns:a="http://schemas.openxmlformats.org/drawingml/2006/main" xmlns:r="http://schemas.openxmlformats.org/officeDocument/2006/relationships" xmlns:p="http://schemas.openxmlformats.org/presentationml/2006/main">
-  <p:cSld>
-    <p:spTree>
-      <p:nvGrpSpPr>
-        <p:cNvPr id="1" name=""/>
-        <p:cNvGrpSpPr/>
-        <p:nvPr/>
-      </p:nvGrpSpPr>
-      <p:grpSpPr>
-        <a:xfrm>
-          <a:off x="0" y="0"/>
-          <a:ext cx="0" cy="0"/>
-          <a:chOff x="0" y="0"/>
-          <a:chExt cx="0" cy="0"/>
-        </a:xfrm>
-      </p:grpSpPr>
-      <p:sp>
-        <p:nvSpPr>
-          <p:cNvPr id="2" name="Заголовок 1"/>
-          <p:cNvSpPr>
-            <a:spLocks noGrp="1"/>
-          </p:cNvSpPr>
-          <p:nvPr>
-            <p:ph type="title"/>
-          </p:nvPr>
-        </p:nvSpPr>
-        <p:spPr/>
-        <p:txBody>
-          <a:bodyPr/>
-          <a:lstStyle/>
-          <a:p>
-            <a:r>
-              <a:rPr lang="ru-RU" dirty="0" smtClean="0"/>
-              <a:t>организация кода</a:t>
-            </a:r>
-            <a:endParaRPr lang="en-US" dirty="0"/>
-          </a:p>
-        </p:txBody>
-      </p:sp>
-      <p:sp>
-        <p:nvSpPr>
-          <p:cNvPr id="3" name="Содержимое 2"/>
-          <p:cNvSpPr>
-            <a:spLocks noGrp="1"/>
-          </p:cNvSpPr>
-          <p:nvPr>
-            <p:ph idx="1"/>
-          </p:nvPr>
-        </p:nvSpPr>
-        <p:spPr/>
-        <p:txBody>
-          <a:bodyPr/>
-          <a:lstStyle/>
-          <a:p>
-            <a:r>
-              <a:rPr lang="ru-RU" dirty="0" smtClean="0"/>
-              <a:t>Включать определения шаблонов до их использование в единице трансляции</a:t>
-            </a:r>
-          </a:p>
-          <a:p>
-            <a:r>
-              <a:rPr lang="ru-RU" dirty="0" smtClean="0"/>
-              <a:t>Включать объявления шаблонов до их использования в </a:t>
-            </a:r>
-            <a:r>
-              <a:rPr lang="ru-RU" dirty="0"/>
-              <a:t>е</a:t>
-            </a:r>
-            <a:r>
-              <a:rPr lang="ru-RU" dirty="0" smtClean="0"/>
-              <a:t>динице трансляции</a:t>
-            </a:r>
-            <a:endParaRPr lang="en-US" dirty="0"/>
-          </a:p>
-        </p:txBody>
-      </p:sp>
-    </p:spTree>
-  </p:cSld>
-  <p:clrMapOvr>
-    <a:masterClrMapping/>
-  </p:clrMapOvr>
-</p:sld>
-</file>
-
-<file path=ppt/slides/slide18.xml><?xml version="1.0" encoding="utf-8"?>
-<p:sld xmlns:a="http://schemas.openxmlformats.org/drawingml/2006/main" xmlns:r="http://schemas.openxmlformats.org/officeDocument/2006/relationships" xmlns:p="http://schemas.openxmlformats.org/presentationml/2006/main">
-  <p:cSld>
-    <p:spTree>
-      <p:nvGrpSpPr>
-        <p:cNvPr id="1" name=""/>
-        <p:cNvGrpSpPr/>
-        <p:nvPr/>
-      </p:nvGrpSpPr>
-      <p:grpSpPr>
-        <a:xfrm>
-          <a:off x="0" y="0"/>
-          <a:ext cx="0" cy="0"/>
-          <a:chOff x="0" y="0"/>
-          <a:chExt cx="0" cy="0"/>
-        </a:xfrm>
-      </p:grpSpPr>
-      <p:sp>
-        <p:nvSpPr>
-          <p:cNvPr id="2" name="Заголовок 1"/>
-          <p:cNvSpPr>
-            <a:spLocks noGrp="1"/>
-          </p:cNvSpPr>
-          <p:nvPr>
-            <p:ph type="title"/>
-          </p:nvPr>
-        </p:nvSpPr>
-        <p:spPr/>
-        <p:txBody>
-          <a:bodyPr/>
-          <a:lstStyle/>
-          <a:p>
-            <a:r>
-              <a:rPr lang="ru-RU" dirty="0" smtClean="0"/>
-              <a:t>советы</a:t>
-            </a:r>
-            <a:endParaRPr lang="en-US" dirty="0"/>
-          </a:p>
-        </p:txBody>
-      </p:sp>
-      <p:sp>
-        <p:nvSpPr>
-          <p:cNvPr id="3" name="Содержимое 2"/>
-          <p:cNvSpPr>
-            <a:spLocks noGrp="1"/>
-          </p:cNvSpPr>
-          <p:nvPr>
-            <p:ph idx="1"/>
-          </p:nvPr>
-        </p:nvSpPr>
-        <p:spPr/>
-        <p:txBody>
-          <a:bodyPr>
-            <a:normAutofit fontScale="92500" lnSpcReduction="20000"/>
-          </a:bodyPr>
-          <a:lstStyle/>
-          <a:p>
-            <a:r>
-              <a:rPr lang="ru-RU" dirty="0" smtClean="0"/>
-              <a:t>Используйте шаблоны для представления алгоритмов, применяемых ко многим типам аргументов</a:t>
-            </a:r>
-          </a:p>
-          <a:p>
-            <a:r>
-              <a:rPr lang="ru-RU" dirty="0" smtClean="0"/>
-              <a:t>Объявляйте и определяйте специализации </a:t>
-            </a:r>
-          </a:p>
-          <a:p>
-            <a:r>
-              <a:rPr lang="ru-RU" dirty="0" smtClean="0"/>
-              <a:t>Отлаживайте конкретные примеры до их обобщения в шаблоны</a:t>
-            </a:r>
-          </a:p>
-          <a:p>
-            <a:r>
-              <a:rPr lang="ru-RU" dirty="0" smtClean="0"/>
-              <a:t>Используйте шаблоны вместо наследования, когда время выполнения имеет исключительное значение</a:t>
-            </a:r>
-          </a:p>
-          <a:p>
-            <a:r>
-              <a:rPr lang="ru-RU" dirty="0" smtClean="0"/>
-              <a:t>Используйте шаблоны, когда нельзя определить базовый класс</a:t>
-            </a:r>
-          </a:p>
-          <a:p>
-            <a:endParaRPr lang="ru-RU" dirty="0" smtClean="0"/>
-          </a:p>
-          <a:p>
             <a:endParaRPr lang="en-US" dirty="0"/>
           </a:p>
         </p:txBody>
@@ -5026,6 +5651,320 @@
               <a:rPr lang="ru-RU" dirty="0" smtClean="0"/>
               <a:t>».</a:t>
             </a:r>
+            <a:endParaRPr lang="en-US" dirty="0"/>
+          </a:p>
+        </p:txBody>
+      </p:sp>
+    </p:spTree>
+  </p:cSld>
+  <p:clrMapOvr>
+    <a:masterClrMapping/>
+  </p:clrMapOvr>
+  <p:timing>
+    <p:tnLst>
+      <p:par>
+        <p:cTn id="1" dur="indefinite" restart="never" nodeType="tmRoot"/>
+      </p:par>
+    </p:tnLst>
+  </p:timing>
+</p:sld>
+</file>
+
+<file path=ppt/slides/slide20.xml><?xml version="1.0" encoding="utf-8"?>
+<p:sld xmlns:a="http://schemas.openxmlformats.org/drawingml/2006/main" xmlns:r="http://schemas.openxmlformats.org/officeDocument/2006/relationships" xmlns:p="http://schemas.openxmlformats.org/presentationml/2006/main">
+  <p:cSld>
+    <p:spTree>
+      <p:nvGrpSpPr>
+        <p:cNvPr id="1" name=""/>
+        <p:cNvGrpSpPr/>
+        <p:nvPr/>
+      </p:nvGrpSpPr>
+      <p:grpSpPr>
+        <a:xfrm>
+          <a:off x="0" y="0"/>
+          <a:ext cx="0" cy="0"/>
+          <a:chOff x="0" y="0"/>
+          <a:chExt cx="0" cy="0"/>
+        </a:xfrm>
+      </p:grpSpPr>
+      <p:sp>
+        <p:nvSpPr>
+          <p:cNvPr id="2" name="Заголовок 1"/>
+          <p:cNvSpPr>
+            <a:spLocks noGrp="1"/>
+          </p:cNvSpPr>
+          <p:nvPr>
+            <p:ph type="title"/>
+          </p:nvPr>
+        </p:nvSpPr>
+        <p:spPr/>
+        <p:txBody>
+          <a:bodyPr/>
+          <a:lstStyle/>
+          <a:p>
+            <a:r>
+              <a:rPr lang="ru-RU" dirty="0" smtClean="0"/>
+              <a:t>члены-шаблоны</a:t>
+            </a:r>
+            <a:endParaRPr lang="en-US" dirty="0"/>
+          </a:p>
+        </p:txBody>
+      </p:sp>
+      <p:sp>
+        <p:nvSpPr>
+          <p:cNvPr id="3" name="Содержимое 2"/>
+          <p:cNvSpPr>
+            <a:spLocks noGrp="1"/>
+          </p:cNvSpPr>
+          <p:nvPr>
+            <p:ph idx="1"/>
+          </p:nvPr>
+        </p:nvSpPr>
+        <p:spPr/>
+        <p:txBody>
+          <a:bodyPr/>
+          <a:lstStyle/>
+          <a:p>
+            <a:endParaRPr lang="en-US"/>
+          </a:p>
+        </p:txBody>
+      </p:sp>
+    </p:spTree>
+  </p:cSld>
+  <p:clrMapOvr>
+    <a:masterClrMapping/>
+  </p:clrMapOvr>
+</p:sld>
+</file>
+
+<file path=ppt/slides/slide21.xml><?xml version="1.0" encoding="utf-8"?>
+<p:sld xmlns:a="http://schemas.openxmlformats.org/drawingml/2006/main" xmlns:r="http://schemas.openxmlformats.org/officeDocument/2006/relationships" xmlns:p="http://schemas.openxmlformats.org/presentationml/2006/main">
+  <p:cSld>
+    <p:spTree>
+      <p:nvGrpSpPr>
+        <p:cNvPr id="1" name=""/>
+        <p:cNvGrpSpPr/>
+        <p:nvPr/>
+      </p:nvGrpSpPr>
+      <p:grpSpPr>
+        <a:xfrm>
+          <a:off x="0" y="0"/>
+          <a:ext cx="0" cy="0"/>
+          <a:chOff x="0" y="0"/>
+          <a:chExt cx="0" cy="0"/>
+        </a:xfrm>
+      </p:grpSpPr>
+      <p:sp>
+        <p:nvSpPr>
+          <p:cNvPr id="2" name="Заголовок 1"/>
+          <p:cNvSpPr>
+            <a:spLocks noGrp="1"/>
+          </p:cNvSpPr>
+          <p:nvPr>
+            <p:ph type="title"/>
+          </p:nvPr>
+        </p:nvSpPr>
+        <p:spPr/>
+        <p:txBody>
+          <a:bodyPr/>
+          <a:lstStyle/>
+          <a:p>
+            <a:r>
+              <a:rPr lang="ru-RU" dirty="0" smtClean="0"/>
+              <a:t>организация кода</a:t>
+            </a:r>
+            <a:endParaRPr lang="en-US" dirty="0"/>
+          </a:p>
+        </p:txBody>
+      </p:sp>
+      <p:sp>
+        <p:nvSpPr>
+          <p:cNvPr id="3" name="Содержимое 2"/>
+          <p:cNvSpPr>
+            <a:spLocks noGrp="1"/>
+          </p:cNvSpPr>
+          <p:nvPr>
+            <p:ph idx="1"/>
+          </p:nvPr>
+        </p:nvSpPr>
+        <p:spPr/>
+        <p:txBody>
+          <a:bodyPr/>
+          <a:lstStyle/>
+          <a:p>
+            <a:r>
+              <a:rPr lang="ru-RU" dirty="0" smtClean="0"/>
+              <a:t>Включать определения шаблонов до их использование в единице трансляции</a:t>
+            </a:r>
+          </a:p>
+          <a:p>
+            <a:r>
+              <a:rPr lang="ru-RU" dirty="0" smtClean="0"/>
+              <a:t>Включать объявления шаблонов до их использования в </a:t>
+            </a:r>
+            <a:r>
+              <a:rPr lang="ru-RU" dirty="0"/>
+              <a:t>е</a:t>
+            </a:r>
+            <a:r>
+              <a:rPr lang="ru-RU" dirty="0" smtClean="0"/>
+              <a:t>динице трансляции</a:t>
+            </a:r>
+            <a:endParaRPr lang="en-US" dirty="0"/>
+          </a:p>
+        </p:txBody>
+      </p:sp>
+    </p:spTree>
+  </p:cSld>
+  <p:clrMapOvr>
+    <a:masterClrMapping/>
+  </p:clrMapOvr>
+</p:sld>
+</file>
+
+<file path=ppt/slides/slide22.xml><?xml version="1.0" encoding="utf-8"?>
+<p:sld xmlns:a="http://schemas.openxmlformats.org/drawingml/2006/main" xmlns:r="http://schemas.openxmlformats.org/officeDocument/2006/relationships" xmlns:p="http://schemas.openxmlformats.org/presentationml/2006/main">
+  <p:cSld>
+    <p:spTree>
+      <p:nvGrpSpPr>
+        <p:cNvPr id="1" name=""/>
+        <p:cNvGrpSpPr/>
+        <p:nvPr/>
+      </p:nvGrpSpPr>
+      <p:grpSpPr>
+        <a:xfrm>
+          <a:off x="0" y="0"/>
+          <a:ext cx="0" cy="0"/>
+          <a:chOff x="0" y="0"/>
+          <a:chExt cx="0" cy="0"/>
+        </a:xfrm>
+      </p:grpSpPr>
+      <p:sp>
+        <p:nvSpPr>
+          <p:cNvPr id="2" name="Заголовок 1"/>
+          <p:cNvSpPr>
+            <a:spLocks noGrp="1"/>
+          </p:cNvSpPr>
+          <p:nvPr>
+            <p:ph type="title"/>
+          </p:nvPr>
+        </p:nvSpPr>
+        <p:spPr/>
+        <p:txBody>
+          <a:bodyPr/>
+          <a:lstStyle/>
+          <a:p>
+            <a:r>
+              <a:rPr lang="ru-RU" dirty="0" smtClean="0"/>
+              <a:t>советы</a:t>
+            </a:r>
+            <a:endParaRPr lang="en-US" dirty="0"/>
+          </a:p>
+        </p:txBody>
+      </p:sp>
+      <p:sp>
+        <p:nvSpPr>
+          <p:cNvPr id="3" name="Содержимое 2"/>
+          <p:cNvSpPr>
+            <a:spLocks noGrp="1"/>
+          </p:cNvSpPr>
+          <p:nvPr>
+            <p:ph idx="1"/>
+          </p:nvPr>
+        </p:nvSpPr>
+        <p:spPr>
+          <a:xfrm>
+            <a:off x="381000" y="1371600"/>
+            <a:ext cx="8534400" cy="4525963"/>
+          </a:xfrm>
+        </p:spPr>
+        <p:txBody>
+          <a:bodyPr>
+            <a:normAutofit fontScale="85000" lnSpcReduction="20000"/>
+          </a:bodyPr>
+          <a:lstStyle/>
+          <a:p>
+            <a:r>
+              <a:rPr lang="ru-RU" dirty="0" smtClean="0"/>
+              <a:t>Используйте шаблоны для представления алгоритмов, применяемых ко многим типам аргументов</a:t>
+            </a:r>
+            <a:r>
+              <a:rPr lang="en-US" dirty="0" smtClean="0"/>
+              <a:t>;</a:t>
+            </a:r>
+            <a:endParaRPr lang="ru-RU" dirty="0" smtClean="0"/>
+          </a:p>
+          <a:p>
+            <a:r>
+              <a:rPr lang="ru-RU" dirty="0" smtClean="0"/>
+              <a:t>Объявляйте и определяйте специализации</a:t>
+            </a:r>
+            <a:r>
+              <a:rPr lang="en-US" dirty="0" smtClean="0"/>
+              <a:t>;</a:t>
+            </a:r>
+            <a:endParaRPr lang="ru-RU" dirty="0" smtClean="0"/>
+          </a:p>
+          <a:p>
+            <a:r>
+              <a:rPr lang="ru-RU" dirty="0" smtClean="0"/>
+              <a:t>Используйте </a:t>
+            </a:r>
+            <a:r>
+              <a:rPr lang="en-US" dirty="0" err="1" smtClean="0"/>
+              <a:t>typedef</a:t>
+            </a:r>
+            <a:r>
+              <a:rPr lang="en-US" dirty="0" smtClean="0"/>
+              <a:t> </a:t>
+            </a:r>
+            <a:r>
+              <a:rPr lang="ru-RU" dirty="0" smtClean="0"/>
+              <a:t>для шаблонов</a:t>
+            </a:r>
+            <a:r>
+              <a:rPr lang="en-US" dirty="0" smtClean="0"/>
+              <a:t>;</a:t>
+            </a:r>
+            <a:endParaRPr lang="ru-RU" dirty="0" smtClean="0"/>
+          </a:p>
+          <a:p>
+            <a:r>
+              <a:rPr lang="ru-RU" dirty="0" smtClean="0"/>
+              <a:t>Отлаживайте конкретные примеры до их обобщения в шаблоны</a:t>
+            </a:r>
+            <a:r>
+              <a:rPr lang="en-US" dirty="0" smtClean="0"/>
+              <a:t>;</a:t>
+            </a:r>
+            <a:endParaRPr lang="ru-RU" dirty="0" smtClean="0"/>
+          </a:p>
+          <a:p>
+            <a:r>
+              <a:rPr lang="ru-RU" dirty="0" smtClean="0"/>
+              <a:t>Используйте шаблоны вместо наследования, когда время выполнения имеет исключительное значение</a:t>
+            </a:r>
+            <a:r>
+              <a:rPr lang="en-US" dirty="0" smtClean="0"/>
+              <a:t>;</a:t>
+            </a:r>
+            <a:endParaRPr lang="ru-RU" dirty="0" smtClean="0"/>
+          </a:p>
+          <a:p>
+            <a:r>
+              <a:rPr lang="ru-RU" dirty="0" smtClean="0"/>
+              <a:t>Используйте шаблоны, когда нельзя определить базовый класс</a:t>
+            </a:r>
+            <a:r>
+              <a:rPr lang="en-US" dirty="0" smtClean="0"/>
+              <a:t>;</a:t>
+            </a:r>
+            <a:endParaRPr lang="ru-RU" dirty="0" smtClean="0"/>
+          </a:p>
+          <a:p>
+            <a:endParaRPr lang="ru-RU" dirty="0" smtClean="0"/>
+          </a:p>
+          <a:p>
             <a:endParaRPr lang="en-US" dirty="0"/>
           </a:p>
         </p:txBody>
@@ -5122,7 +6061,7 @@
           <a:p>
             <a:r>
               <a:rPr lang="en-US" dirty="0" smtClean="0"/>
-              <a:t>void swap( const </a:t>
+              <a:t>void swap( </a:t>
             </a:r>
             <a:r>
               <a:rPr lang="en-US" dirty="0" err="1" smtClean="0"/>
@@ -5130,7 +6069,7 @@
             </a:r>
             <a:r>
               <a:rPr lang="en-US" dirty="0" smtClean="0"/>
-              <a:t>&amp; x, const </a:t>
+              <a:t>&amp; x, </a:t>
             </a:r>
             <a:r>
               <a:rPr lang="en-US" dirty="0" err="1" smtClean="0"/>
@@ -5187,7 +6126,7 @@
           <a:p>
             <a:r>
               <a:rPr lang="en-US" dirty="0" smtClean="0"/>
-              <a:t>void swap( const double&amp; x, const double&amp; y )</a:t>
+              <a:t>void swap( double&amp; x, double&amp; y )</a:t>
             </a:r>
           </a:p>
           <a:p>
@@ -5277,6 +6216,107 @@
       </p:grpSpPr>
       <p:sp>
         <p:nvSpPr>
+          <p:cNvPr id="13" name="Скругленная прямоугольная выноска 12"/>
+          <p:cNvSpPr/>
+          <p:nvPr/>
+        </p:nvSpPr>
+        <p:spPr>
+          <a:xfrm>
+            <a:off x="1371600" y="4800600"/>
+            <a:ext cx="2743200" cy="914400"/>
+          </a:xfrm>
+          <a:prstGeom prst="wedgeRoundRectCallout">
+            <a:avLst/>
+          </a:prstGeom>
+          <a:noFill/>
+          <a:ln>
+            <a:solidFill>
+              <a:schemeClr val="tx1"/>
+            </a:solidFill>
+          </a:ln>
+        </p:spPr>
+        <p:style>
+          <a:lnRef idx="2">
+            <a:schemeClr val="accent1">
+              <a:shade val="50000"/>
+            </a:schemeClr>
+          </a:lnRef>
+          <a:fillRef idx="1">
+            <a:schemeClr val="accent1"/>
+          </a:fillRef>
+          <a:effectRef idx="0">
+            <a:schemeClr val="accent1"/>
+          </a:effectRef>
+          <a:fontRef idx="minor">
+            <a:schemeClr val="lt1"/>
+          </a:fontRef>
+        </p:style>
+        <p:txBody>
+          <a:bodyPr rtlCol="0" anchor="ctr"/>
+          <a:lstStyle/>
+          <a:p>
+            <a:pPr algn="ctr"/>
+            <a:r>
+              <a:rPr lang="en-US" dirty="0" smtClean="0">
+                <a:solidFill>
+                  <a:schemeClr val="tx1"/>
+                </a:solidFill>
+              </a:rPr>
+              <a:t>template&lt; class T &gt;</a:t>
+            </a:r>
+            <a:r>
+              <a:rPr lang="ru-RU" dirty="0" smtClean="0">
+                <a:solidFill>
+                  <a:schemeClr val="tx1"/>
+                </a:solidFill>
+              </a:rPr>
+              <a:t> и </a:t>
+            </a:r>
+            <a:r>
+              <a:rPr lang="en-US" dirty="0" smtClean="0">
+                <a:solidFill>
+                  <a:schemeClr val="tx1"/>
+                </a:solidFill>
+              </a:rPr>
+              <a:t>template&lt; </a:t>
+            </a:r>
+            <a:r>
+              <a:rPr lang="en-US" dirty="0" err="1" smtClean="0">
+                <a:solidFill>
+                  <a:schemeClr val="tx1"/>
+                </a:solidFill>
+              </a:rPr>
+              <a:t>typename</a:t>
+            </a:r>
+            <a:r>
+              <a:rPr lang="en-US" dirty="0" smtClean="0">
+                <a:solidFill>
+                  <a:schemeClr val="tx1"/>
+                </a:solidFill>
+              </a:rPr>
+              <a:t> T &gt;</a:t>
+            </a:r>
+          </a:p>
+          <a:p>
+            <a:pPr algn="ctr"/>
+            <a:r>
+              <a:rPr lang="ru-RU" dirty="0" smtClean="0">
+                <a:solidFill>
+                  <a:schemeClr val="tx1"/>
+                </a:solidFill>
+              </a:rPr>
+              <a:t>одно и то же </a:t>
+            </a:r>
+            <a:endParaRPr lang="en-US" dirty="0" smtClean="0">
+              <a:solidFill>
+                <a:schemeClr val="tx1"/>
+              </a:solidFill>
+            </a:endParaRPr>
+          </a:p>
+        </p:txBody>
+      </p:sp>
+      <p:sp>
+        <p:nvSpPr>
           <p:cNvPr id="2" name="Заголовок 1"/>
           <p:cNvSpPr>
             <a:spLocks noGrp="1"/>
@@ -5292,7 +6332,7 @@
           <a:p>
             <a:r>
               <a:rPr lang="ru-RU" dirty="0" smtClean="0"/>
-              <a:t>шаблон</a:t>
+              <a:t>обобщенное программирование</a:t>
             </a:r>
             <a:endParaRPr lang="en-US" dirty="0"/>
           </a:p>
@@ -5306,8 +6346,8 @@
         </p:nvSpPr>
         <p:spPr>
           <a:xfrm>
-            <a:off x="1295400" y="2514600"/>
-            <a:ext cx="6934200" cy="3733800"/>
+            <a:off x="1676400" y="1371600"/>
+            <a:ext cx="5943600" cy="3276600"/>
           </a:xfrm>
           <a:prstGeom prst="roundRect">
             <a:avLst/>
@@ -5341,7 +6381,7 @@
           <a:p>
             <a:r>
               <a:rPr lang="en-US" dirty="0" smtClean="0"/>
-              <a:t>void swap( const T&amp; x, const T&amp; y )</a:t>
+              <a:t>void swap( T&amp; x, T&amp; y )</a:t>
             </a:r>
           </a:p>
           <a:p>
@@ -5431,139 +6471,30 @@
           </a:p>
         </p:txBody>
       </p:sp>
-      <p:sp>
-        <p:nvSpPr>
-          <p:cNvPr id="5" name="TextBox 4"/>
-          <p:cNvSpPr txBox="1"/>
+      <p:pic>
+        <p:nvPicPr>
+          <p:cNvPr id="12" name="Рисунок 11" descr="1.jpg"/>
+          <p:cNvPicPr>
+            <a:picLocks noChangeAspect="1"/>
+          </p:cNvPicPr>
           <p:nvPr/>
-        </p:nvSpPr>
+        </p:nvPicPr>
+        <p:blipFill>
+          <a:blip r:embed="rId2" cstate="print"/>
+          <a:stretch>
+            <a:fillRect/>
+          </a:stretch>
+        </p:blipFill>
         <p:spPr>
           <a:xfrm>
-            <a:off x="1143000" y="1534180"/>
-            <a:ext cx="2566793" cy="461665"/>
-          </a:xfrm>
-          <a:prstGeom prst="rect">
-            <a:avLst/>
-          </a:prstGeom>
-          <a:noFill/>
-        </p:spPr>
-        <p:txBody>
-          <a:bodyPr wrap="none" rtlCol="0">
-            <a:spAutoFit/>
-          </a:bodyPr>
-          <a:lstStyle/>
-          <a:p>
-            <a:r>
-              <a:rPr lang="en-US" sz="2400" dirty="0" smtClean="0"/>
-              <a:t>template&lt; class T &gt;</a:t>
-            </a:r>
-            <a:endParaRPr lang="en-US" sz="2400" dirty="0"/>
-          </a:p>
-        </p:txBody>
-      </p:sp>
-      <p:sp>
-        <p:nvSpPr>
-          <p:cNvPr id="6" name="Прямоугольник 5"/>
-          <p:cNvSpPr/>
-          <p:nvPr/>
-        </p:nvSpPr>
-        <p:spPr>
-          <a:xfrm>
-            <a:off x="5289537" y="1524000"/>
-            <a:ext cx="3244863" cy="461665"/>
+            <a:off x="1066800" y="5410200"/>
+            <a:ext cx="1172308" cy="1295400"/>
           </a:xfrm>
           <a:prstGeom prst="rect">
             <a:avLst/>
           </a:prstGeom>
         </p:spPr>
-        <p:txBody>
-          <a:bodyPr wrap="none">
-            <a:spAutoFit/>
-          </a:bodyPr>
-          <a:lstStyle/>
-          <a:p>
-            <a:r>
-              <a:rPr lang="en-US" sz="2400" dirty="0" smtClean="0"/>
-              <a:t>template&lt; </a:t>
-            </a:r>
-            <a:r>
-              <a:rPr lang="en-US" sz="2400" dirty="0" err="1" smtClean="0"/>
-              <a:t>typename</a:t>
-            </a:r>
-            <a:r>
-              <a:rPr lang="en-US" sz="2400" dirty="0" smtClean="0"/>
-              <a:t> T &gt;</a:t>
-            </a:r>
-            <a:endParaRPr lang="en-US" sz="2400" dirty="0"/>
-          </a:p>
-        </p:txBody>
-      </p:sp>
-      <p:cxnSp>
-        <p:nvCxnSpPr>
-          <p:cNvPr id="8" name="Прямая со стрелкой 7"/>
-          <p:cNvCxnSpPr/>
-          <p:nvPr/>
-        </p:nvCxnSpPr>
-        <p:spPr>
-          <a:xfrm flipH="1">
-            <a:off x="3200400" y="1219200"/>
-            <a:ext cx="304800" cy="304800"/>
-          </a:xfrm>
-          <a:prstGeom prst="straightConnector1">
-            <a:avLst/>
-          </a:prstGeom>
-          <a:ln>
-            <a:tailEnd type="arrow"/>
-          </a:ln>
-        </p:spPr>
-        <p:style>
-          <a:lnRef idx="1">
-            <a:schemeClr val="accent1"/>
-          </a:lnRef>
-          <a:fillRef idx="0">
-            <a:schemeClr val="accent1"/>
-          </a:fillRef>
-          <a:effectRef idx="0">
-            <a:schemeClr val="accent1"/>
-          </a:effectRef>
-          <a:fontRef idx="minor">
-            <a:schemeClr val="tx1"/>
-          </a:fontRef>
-        </p:style>
-      </p:cxnSp>
-      <p:cxnSp>
-        <p:nvCxnSpPr>
-          <p:cNvPr id="10" name="Прямая со стрелкой 9"/>
-          <p:cNvCxnSpPr/>
-          <p:nvPr/>
-        </p:nvCxnSpPr>
-        <p:spPr>
-          <a:xfrm>
-            <a:off x="5638800" y="1219200"/>
-            <a:ext cx="304800" cy="304800"/>
-          </a:xfrm>
-          <a:prstGeom prst="straightConnector1">
-            <a:avLst/>
-          </a:prstGeom>
-          <a:ln>
-            <a:tailEnd type="arrow"/>
-          </a:ln>
-        </p:spPr>
-        <p:style>
-          <a:lnRef idx="1">
-            <a:schemeClr val="accent1"/>
-          </a:lnRef>
-          <a:fillRef idx="0">
-            <a:schemeClr val="accent1"/>
-          </a:fillRef>
-          <a:effectRef idx="0">
-            <a:schemeClr val="accent1"/>
-          </a:effectRef>
-          <a:fontRef idx="minor">
-            <a:schemeClr val="tx1"/>
-          </a:fontRef>
-        </p:style>
-      </p:cxnSp>
+      </p:pic>
     </p:spTree>
   </p:cSld>
   <p:clrMapOvr>
@@ -5628,7 +6559,7 @@
         <p:spPr>
           <a:xfrm>
             <a:off x="1295400" y="1828800"/>
-            <a:ext cx="6934200" cy="3200400"/>
+            <a:ext cx="6934200" cy="3429000"/>
           </a:xfrm>
           <a:prstGeom prst="roundRect">
             <a:avLst/>
@@ -5723,13 +6654,52 @@
             </a:r>
             <a:r>
               <a:rPr lang="en-US" dirty="0" smtClean="0"/>
-              <a:t> ( T* t = NULL )</a:t>
-            </a:r>
-          </a:p>
-          <a:p>
-            <a:r>
-              <a:rPr lang="en-US" dirty="0" smtClean="0"/>
-              <a:t>		: </a:t>
+              <a:t> ( T* t = NULL );</a:t>
+            </a:r>
+            <a:r>
+              <a:rPr lang="en-US" dirty="0" smtClean="0"/>
+              <a:t>	</a:t>
+            </a:r>
+            <a:br>
+              <a:rPr lang="en-US" dirty="0" smtClean="0"/>
+            </a:br>
+            <a:r>
+              <a:rPr lang="en-US" dirty="0" smtClean="0"/>
+              <a:t>};</a:t>
+            </a:r>
+          </a:p>
+          <a:p>
+            <a:r>
+              <a:rPr lang="en-US" dirty="0" err="1" smtClean="0"/>
+              <a:t>tempalte</a:t>
+            </a:r>
+            <a:r>
+              <a:rPr lang="en-US" dirty="0" smtClean="0"/>
+              <a:t>&lt; class T &gt;</a:t>
+            </a:r>
+          </a:p>
+          <a:p>
+            <a:r>
+              <a:rPr lang="en-US" dirty="0" err="1" smtClean="0"/>
+              <a:t>template_example</a:t>
+            </a:r>
+            <a:r>
+              <a:rPr lang="en-US" dirty="0" smtClean="0"/>
+              <a:t> &lt; T &gt;::</a:t>
+            </a:r>
+            <a:r>
+              <a:rPr lang="en-US" dirty="0" err="1" smtClean="0"/>
+              <a:t>template_example</a:t>
+            </a:r>
+            <a:r>
+              <a:rPr lang="en-US" dirty="0" smtClean="0"/>
+              <a:t> ( T* t )</a:t>
+            </a:r>
+          </a:p>
+          <a:p>
+            <a:r>
+              <a:rPr lang="en-US" dirty="0" smtClean="0"/>
+              <a:t>	: </a:t>
             </a:r>
             <a:r>
               <a:rPr lang="en-US" dirty="0" err="1" smtClean="0"/>
@@ -5741,7 +6711,6 @@
             </a:r>
           </a:p>
           <a:p>
-            <a:pPr lvl="2"/>
             <a:r>
               <a:rPr lang="en-US" dirty="0" smtClean="0"/>
               <a:t>{</a:t>
@@ -5750,14 +6719,7 @@
           <a:p>
             <a:r>
               <a:rPr lang="en-US" dirty="0" smtClean="0"/>
-              <a:t>	}</a:t>
-            </a:r>
-            <a:br>
-              <a:rPr lang="en-US" dirty="0" smtClean="0"/>
-            </a:br>
-            <a:r>
-              <a:rPr lang="en-US" dirty="0" smtClean="0"/>
-              <a:t>};</a:t>
+              <a:t>}</a:t>
             </a:r>
             <a:endParaRPr lang="en-US" dirty="0"/>
           </a:p>
@@ -5831,7 +6793,7 @@
         <p:spPr>
           <a:xfrm>
             <a:off x="838200" y="1524000"/>
-            <a:ext cx="7696200" cy="4419600"/>
+            <a:ext cx="7696200" cy="5105400"/>
           </a:xfrm>
           <a:prstGeom prst="roundRect">
             <a:avLst/>
@@ -5863,8 +6825,13 @@
             </a:r>
             <a:r>
               <a:rPr lang="en-US" dirty="0" smtClean="0"/>
-              <a:t>emplate&lt; class T &gt; // template definition</a:t>
-            </a:r>
+              <a:t>emplate&lt; class T &gt; // </a:t>
+            </a:r>
+            <a:r>
+              <a:rPr lang="ru-RU" dirty="0" smtClean="0"/>
+              <a:t>определение шаблона</a:t>
+            </a:r>
+            <a:endParaRPr lang="en-US" dirty="0" smtClean="0"/>
           </a:p>
           <a:p>
             <a:r>
@@ -5930,7 +6897,7 @@
             </a:r>
             <a:r>
               <a:rPr lang="en-US" dirty="0" smtClean="0"/>
-              <a:t> ( T* t = NULL )</a:t>
+              <a:t> ( T* t = NULL ) </a:t>
             </a:r>
           </a:p>
           <a:p>
@@ -5951,13 +6918,21 @@
             <a:pPr lvl="2"/>
             <a:r>
               <a:rPr lang="en-US" dirty="0" smtClean="0"/>
-              <a:t>{</a:t>
-            </a:r>
-          </a:p>
-          <a:p>
-            <a:r>
-              <a:rPr lang="en-US" dirty="0" smtClean="0"/>
-              <a:t>	}</a:t>
+              <a:t>{}</a:t>
+            </a:r>
+          </a:p>
+          <a:p>
+            <a:pPr lvl="2"/>
+            <a:r>
+              <a:rPr lang="en-US" dirty="0" smtClean="0"/>
+              <a:t>void reset(  T* t )  { //… }</a:t>
+            </a:r>
+          </a:p>
+          <a:p>
+            <a:pPr lvl="2"/>
+            <a:r>
+              <a:rPr lang="en-US" dirty="0" smtClean="0"/>
+              <a:t>T* get()  { //… }</a:t>
             </a:r>
           </a:p>
           <a:p>
@@ -5979,11 +6954,15 @@
           <a:p>
             <a:r>
               <a:rPr lang="en-US" dirty="0" smtClean="0"/>
-              <a:t>// template </a:t>
-            </a:r>
-            <a:r>
-              <a:rPr lang="en-US" dirty="0" smtClean="0"/>
-              <a:t>instantiation</a:t>
+              <a:t>// </a:t>
+            </a:r>
+            <a:r>
+              <a:rPr lang="ru-RU" dirty="0" err="1" smtClean="0"/>
+              <a:t>инстанцирование</a:t>
+            </a:r>
+            <a:r>
+              <a:rPr lang="ru-RU" dirty="0" smtClean="0"/>
+              <a:t> шаблона</a:t>
             </a:r>
             <a:endParaRPr lang="en-US" dirty="0" smtClean="0"/>
           </a:p>
@@ -6012,9 +6991,31 @@
           <a:p>
             <a:r>
               <a:rPr lang="en-US" dirty="0" smtClean="0"/>
+              <a:t>double_ptr.get();</a:t>
+            </a:r>
+            <a:r>
+              <a:rPr lang="ru-RU" dirty="0" smtClean="0"/>
               <a:t> </a:t>
             </a:r>
             <a:r>
+              <a:rPr lang="en-US" dirty="0" smtClean="0"/>
+              <a:t>// </a:t>
+            </a:r>
+            <a:r>
+              <a:rPr lang="ru-RU" dirty="0" smtClean="0"/>
+              <a:t> сгенерированы только конструктор и </a:t>
+            </a:r>
+            <a:r>
+              <a:rPr lang="en-US" dirty="0" smtClean="0"/>
+              <a:t>get()</a:t>
+            </a:r>
+          </a:p>
+          <a:p>
+            <a:r>
+              <a:rPr lang="en-US" dirty="0" smtClean="0"/>
+              <a:t> </a:t>
+            </a:r>
+            <a:r>
               <a:rPr lang="en-US" dirty="0" err="1" smtClean="0"/>
               <a:t>template_example</a:t>
             </a:r>
@@ -6024,7 +7025,11 @@
             </a:r>
             <a:r>
               <a:rPr lang="en-US" dirty="0" err="1" smtClean="0"/>
-              <a:t>double_ptr</a:t>
+              <a:t>string</a:t>
+            </a:r>
+            <a:r>
+              <a:rPr lang="en-US" dirty="0" err="1" smtClean="0"/>
+              <a:t>_ptr</a:t>
             </a:r>
             <a:r>
               <a:rPr lang="en-US" dirty="0" smtClean="0"/>

--- a/lections/cpp_craft_lec_5_pre.pptx
+++ b/lections/cpp_craft_lec_5_pre.pptx
@@ -309,7 +309,8 @@
           <a:p>
             <a:fld id="{617A4F30-FB30-424F-9F07-D851740F429F}" type="datetimeFigureOut">
               <a:rPr lang="en-US" smtClean="0"/>
-              <a:t>10/30/2013</a:t>
+              <a:pPr/>
+              <a:t>10/31/2013</a:t>
             </a:fld>
             <a:endParaRPr lang="en-US"/>
           </a:p>
@@ -351,6 +352,7 @@
           <a:p>
             <a:fld id="{BAD4C8DF-620A-4BF7-B959-0BEA8160DB63}" type="slidenum">
               <a:rPr lang="en-US" smtClean="0"/>
+              <a:pPr/>
               <a:t>‹#›</a:t>
             </a:fld>
             <a:endParaRPr lang="en-US"/>
@@ -474,7 +476,8 @@
           <a:p>
             <a:fld id="{617A4F30-FB30-424F-9F07-D851740F429F}" type="datetimeFigureOut">
               <a:rPr lang="en-US" smtClean="0"/>
-              <a:t>10/30/2013</a:t>
+              <a:pPr/>
+              <a:t>10/31/2013</a:t>
             </a:fld>
             <a:endParaRPr lang="en-US"/>
           </a:p>
@@ -516,6 +519,7 @@
           <a:p>
             <a:fld id="{BAD4C8DF-620A-4BF7-B959-0BEA8160DB63}" type="slidenum">
               <a:rPr lang="en-US" smtClean="0"/>
+              <a:pPr/>
               <a:t>‹#›</a:t>
             </a:fld>
             <a:endParaRPr lang="en-US"/>
@@ -649,7 +653,8 @@
           <a:p>
             <a:fld id="{617A4F30-FB30-424F-9F07-D851740F429F}" type="datetimeFigureOut">
               <a:rPr lang="en-US" smtClean="0"/>
-              <a:t>10/30/2013</a:t>
+              <a:pPr/>
+              <a:t>10/31/2013</a:t>
             </a:fld>
             <a:endParaRPr lang="en-US"/>
           </a:p>
@@ -691,6 +696,7 @@
           <a:p>
             <a:fld id="{BAD4C8DF-620A-4BF7-B959-0BEA8160DB63}" type="slidenum">
               <a:rPr lang="en-US" smtClean="0"/>
+              <a:pPr/>
               <a:t>‹#›</a:t>
             </a:fld>
             <a:endParaRPr lang="en-US"/>
@@ -814,7 +820,8 @@
           <a:p>
             <a:fld id="{617A4F30-FB30-424F-9F07-D851740F429F}" type="datetimeFigureOut">
               <a:rPr lang="en-US" smtClean="0"/>
-              <a:t>10/30/2013</a:t>
+              <a:pPr/>
+              <a:t>10/31/2013</a:t>
             </a:fld>
             <a:endParaRPr lang="en-US"/>
           </a:p>
@@ -856,6 +863,7 @@
           <a:p>
             <a:fld id="{BAD4C8DF-620A-4BF7-B959-0BEA8160DB63}" type="slidenum">
               <a:rPr lang="en-US" smtClean="0"/>
+              <a:pPr/>
               <a:t>‹#›</a:t>
             </a:fld>
             <a:endParaRPr lang="en-US"/>
@@ -1055,7 +1063,8 @@
           <a:p>
             <a:fld id="{617A4F30-FB30-424F-9F07-D851740F429F}" type="datetimeFigureOut">
               <a:rPr lang="en-US" smtClean="0"/>
-              <a:t>10/30/2013</a:t>
+              <a:pPr/>
+              <a:t>10/31/2013</a:t>
             </a:fld>
             <a:endParaRPr lang="en-US"/>
           </a:p>
@@ -1097,6 +1106,7 @@
           <a:p>
             <a:fld id="{BAD4C8DF-620A-4BF7-B959-0BEA8160DB63}" type="slidenum">
               <a:rPr lang="en-US" smtClean="0"/>
+              <a:pPr/>
               <a:t>‹#›</a:t>
             </a:fld>
             <a:endParaRPr lang="en-US"/>
@@ -1338,7 +1348,8 @@
           <a:p>
             <a:fld id="{617A4F30-FB30-424F-9F07-D851740F429F}" type="datetimeFigureOut">
               <a:rPr lang="en-US" smtClean="0"/>
-              <a:t>10/30/2013</a:t>
+              <a:pPr/>
+              <a:t>10/31/2013</a:t>
             </a:fld>
             <a:endParaRPr lang="en-US"/>
           </a:p>
@@ -1380,6 +1391,7 @@
           <a:p>
             <a:fld id="{BAD4C8DF-620A-4BF7-B959-0BEA8160DB63}" type="slidenum">
               <a:rPr lang="en-US" smtClean="0"/>
+              <a:pPr/>
               <a:t>‹#›</a:t>
             </a:fld>
             <a:endParaRPr lang="en-US"/>
@@ -1755,7 +1767,8 @@
           <a:p>
             <a:fld id="{617A4F30-FB30-424F-9F07-D851740F429F}" type="datetimeFigureOut">
               <a:rPr lang="en-US" smtClean="0"/>
-              <a:t>10/30/2013</a:t>
+              <a:pPr/>
+              <a:t>10/31/2013</a:t>
             </a:fld>
             <a:endParaRPr lang="en-US"/>
           </a:p>
@@ -1797,6 +1810,7 @@
           <a:p>
             <a:fld id="{BAD4C8DF-620A-4BF7-B959-0BEA8160DB63}" type="slidenum">
               <a:rPr lang="en-US" smtClean="0"/>
+              <a:pPr/>
               <a:t>‹#›</a:t>
             </a:fld>
             <a:endParaRPr lang="en-US"/>
@@ -1868,7 +1882,8 @@
           <a:p>
             <a:fld id="{617A4F30-FB30-424F-9F07-D851740F429F}" type="datetimeFigureOut">
               <a:rPr lang="en-US" smtClean="0"/>
-              <a:t>10/30/2013</a:t>
+              <a:pPr/>
+              <a:t>10/31/2013</a:t>
             </a:fld>
             <a:endParaRPr lang="en-US"/>
           </a:p>
@@ -1910,6 +1925,7 @@
           <a:p>
             <a:fld id="{BAD4C8DF-620A-4BF7-B959-0BEA8160DB63}" type="slidenum">
               <a:rPr lang="en-US" smtClean="0"/>
+              <a:pPr/>
               <a:t>‹#›</a:t>
             </a:fld>
             <a:endParaRPr lang="en-US"/>
@@ -1958,7 +1974,8 @@
           <a:p>
             <a:fld id="{617A4F30-FB30-424F-9F07-D851740F429F}" type="datetimeFigureOut">
               <a:rPr lang="en-US" smtClean="0"/>
-              <a:t>10/30/2013</a:t>
+              <a:pPr/>
+              <a:t>10/31/2013</a:t>
             </a:fld>
             <a:endParaRPr lang="en-US"/>
           </a:p>
@@ -2000,6 +2017,7 @@
           <a:p>
             <a:fld id="{BAD4C8DF-620A-4BF7-B959-0BEA8160DB63}" type="slidenum">
               <a:rPr lang="en-US" smtClean="0"/>
+              <a:pPr/>
               <a:t>‹#›</a:t>
             </a:fld>
             <a:endParaRPr lang="en-US"/>
@@ -2230,7 +2248,8 @@
           <a:p>
             <a:fld id="{617A4F30-FB30-424F-9F07-D851740F429F}" type="datetimeFigureOut">
               <a:rPr lang="en-US" smtClean="0"/>
-              <a:t>10/30/2013</a:t>
+              <a:pPr/>
+              <a:t>10/31/2013</a:t>
             </a:fld>
             <a:endParaRPr lang="en-US"/>
           </a:p>
@@ -2272,6 +2291,7 @@
           <a:p>
             <a:fld id="{BAD4C8DF-620A-4BF7-B959-0BEA8160DB63}" type="slidenum">
               <a:rPr lang="en-US" smtClean="0"/>
+              <a:pPr/>
               <a:t>‹#›</a:t>
             </a:fld>
             <a:endParaRPr lang="en-US"/>
@@ -2478,7 +2498,8 @@
           <a:p>
             <a:fld id="{617A4F30-FB30-424F-9F07-D851740F429F}" type="datetimeFigureOut">
               <a:rPr lang="en-US" smtClean="0"/>
-              <a:t>10/30/2013</a:t>
+              <a:pPr/>
+              <a:t>10/31/2013</a:t>
             </a:fld>
             <a:endParaRPr lang="en-US"/>
           </a:p>
@@ -2520,6 +2541,7 @@
           <a:p>
             <a:fld id="{BAD4C8DF-620A-4BF7-B959-0BEA8160DB63}" type="slidenum">
               <a:rPr lang="en-US" smtClean="0"/>
+              <a:pPr/>
               <a:t>‹#›</a:t>
             </a:fld>
             <a:endParaRPr lang="en-US"/>
@@ -2686,7 +2708,8 @@
           <a:p>
             <a:fld id="{617A4F30-FB30-424F-9F07-D851740F429F}" type="datetimeFigureOut">
               <a:rPr lang="en-US" smtClean="0"/>
-              <a:t>10/30/2013</a:t>
+              <a:pPr/>
+              <a:t>10/31/2013</a:t>
             </a:fld>
             <a:endParaRPr lang="en-US"/>
           </a:p>
@@ -2764,6 +2787,7 @@
           <a:p>
             <a:fld id="{BAD4C8DF-620A-4BF7-B959-0BEA8160DB63}" type="slidenum">
               <a:rPr lang="en-US" smtClean="0"/>
+              <a:pPr/>
               <a:t>‹#›</a:t>
             </a:fld>
             <a:endParaRPr lang="en-US"/>
@@ -3077,11 +3101,7 @@
             </a:r>
             <a:r>
               <a:rPr lang="en-US" dirty="0" smtClean="0"/>
-              <a:t>Craft: </a:t>
-            </a:r>
-            <a:r>
-              <a:rPr lang="en-US" dirty="0" smtClean="0"/>
-              <a:t>#5</a:t>
+              <a:t>Craft: #5</a:t>
             </a:r>
             <a:endParaRPr lang="en-US" dirty="0"/>
           </a:p>
@@ -3108,7 +3128,6 @@
               <a:rPr lang="ru-RU" dirty="0" smtClean="0"/>
               <a:t>Шаблоны функций</a:t>
             </a:r>
-            <a:endParaRPr lang="ru-RU" dirty="0" smtClean="0"/>
           </a:p>
           <a:p>
             <a:r>
@@ -3340,12 +3359,22 @@
             </a:r>
             <a:r>
               <a:rPr lang="en-US" dirty="0"/>
-              <a:t>) { </a:t>
-            </a:r>
-            <a:r>
-              <a:rPr lang="en-US" dirty="0" smtClean="0"/>
-              <a:t> //… }</a:t>
-            </a:r>
+              <a:t>) </a:t>
+            </a:r>
+            <a:endParaRPr lang="ru-RU" dirty="0" smtClean="0"/>
+          </a:p>
+          <a:p>
+            <a:r>
+              <a:rPr lang="en-US" dirty="0" smtClean="0"/>
+              <a:t>{  </a:t>
+            </a:r>
+            <a:r>
+              <a:rPr lang="en-US" dirty="0" smtClean="0"/>
+              <a:t>//… }</a:t>
+            </a:r>
+            <a:endParaRPr lang="ru-RU" dirty="0" smtClean="0"/>
+          </a:p>
+          <a:p>
             <a:endParaRPr lang="ru-RU" dirty="0" smtClean="0"/>
           </a:p>
           <a:p>
@@ -3473,12 +3502,24 @@
             </a:r>
             <a:r>
               <a:rPr lang="en-US" dirty="0" smtClean="0"/>
-              <a:t>) { //… }</a:t>
+              <a:t>) </a:t>
             </a:r>
             <a:endParaRPr lang="ru-RU" dirty="0" smtClean="0"/>
           </a:p>
           <a:p>
-            <a:endParaRPr lang="en-US" dirty="0"/>
+            <a:r>
+              <a:rPr lang="en-US" dirty="0" smtClean="0"/>
+              <a:t>{ </a:t>
+            </a:r>
+            <a:r>
+              <a:rPr lang="en-US" dirty="0" smtClean="0"/>
+              <a:t>//… </a:t>
+            </a:r>
+            <a:r>
+              <a:rPr lang="en-US" dirty="0" smtClean="0"/>
+              <a:t>}</a:t>
+            </a:r>
+            <a:endParaRPr lang="ru-RU" dirty="0" smtClean="0"/>
           </a:p>
         </p:txBody>
       </p:sp>
@@ -3621,23 +3662,51 @@
           <a:p>
             <a:r>
               <a:rPr lang="ru-RU" dirty="0" smtClean="0"/>
-              <a:t>константные выражения</a:t>
-            </a:r>
-          </a:p>
-          <a:p>
-            <a:r>
-              <a:rPr lang="ru-RU" dirty="0" smtClean="0"/>
-              <a:t>адрес объекта или функции с внешней компоновкой</a:t>
-            </a:r>
-          </a:p>
-          <a:p>
-            <a:r>
-              <a:rPr lang="ru-RU" dirty="0" err="1" smtClean="0"/>
-              <a:t>неперегруженный</a:t>
-            </a:r>
-            <a:r>
-              <a:rPr lang="ru-RU" dirty="0" smtClean="0"/>
-              <a:t> указатель на член</a:t>
+              <a:t>К</a:t>
+            </a:r>
+            <a:r>
+              <a:rPr lang="ru-RU" dirty="0" smtClean="0"/>
+              <a:t>онстантные </a:t>
+            </a:r>
+            <a:r>
+              <a:rPr lang="ru-RU" dirty="0" smtClean="0"/>
+              <a:t>выражения</a:t>
+            </a:r>
+          </a:p>
+          <a:p>
+            <a:r>
+              <a:rPr lang="ru-RU" dirty="0" smtClean="0"/>
+              <a:t>А</a:t>
+            </a:r>
+            <a:r>
+              <a:rPr lang="ru-RU" dirty="0" smtClean="0"/>
+              <a:t>дрес </a:t>
+            </a:r>
+            <a:r>
+              <a:rPr lang="ru-RU" dirty="0" smtClean="0"/>
+              <a:t>объекта или функции с внешней компоновкой</a:t>
+            </a:r>
+          </a:p>
+          <a:p>
+            <a:r>
+              <a:rPr lang="ru-RU" dirty="0" smtClean="0"/>
+              <a:t>Н</a:t>
+            </a:r>
+            <a:r>
+              <a:rPr lang="ru-RU" dirty="0" smtClean="0"/>
+              <a:t>е</a:t>
+            </a:r>
+            <a:r>
+              <a:rPr lang="en-US" dirty="0" smtClean="0"/>
+              <a:t> </a:t>
+            </a:r>
+            <a:r>
+              <a:rPr lang="ru-RU" dirty="0" smtClean="0"/>
+              <a:t>перегруженный </a:t>
+            </a:r>
+            <a:r>
+              <a:rPr lang="ru-RU" dirty="0" smtClean="0"/>
+              <a:t>указатель на член</a:t>
             </a:r>
           </a:p>
         </p:txBody>
@@ -3772,7 +3841,15 @@
             </a:r>
             <a:r>
               <a:rPr lang="en-US" dirty="0" smtClean="0"/>
-              <a:t>T v[  max ];</a:t>
+              <a:t>T v[ </a:t>
+            </a:r>
+            <a:r>
+              <a:rPr lang="en-US" dirty="0" smtClean="0"/>
+              <a:t>max </a:t>
+            </a:r>
+            <a:r>
+              <a:rPr lang="en-US" dirty="0" smtClean="0"/>
+              <a:t>];</a:t>
             </a:r>
           </a:p>
           <a:p>
@@ -3878,11 +3955,7 @@
             </a:r>
             <a:r>
               <a:rPr lang="en-US" dirty="0" err="1" smtClean="0"/>
-              <a:t>i_</a:t>
-            </a:r>
-            <a:r>
-              <a:rPr lang="en-US" dirty="0" err="1" smtClean="0"/>
-              <a:t>buff</a:t>
+              <a:t>i_buff</a:t>
             </a:r>
             <a:r>
               <a:rPr lang="en-US" dirty="0" smtClean="0"/>
@@ -3928,11 +4001,7 @@
             </a:r>
             <a:r>
               <a:rPr lang="en-US" dirty="0" err="1" smtClean="0"/>
-              <a:t>my_</a:t>
-            </a:r>
-            <a:r>
-              <a:rPr lang="en-US" dirty="0" err="1" smtClean="0"/>
-              <a:t>buff</a:t>
+              <a:t>my_buff</a:t>
             </a:r>
             <a:r>
               <a:rPr lang="en-US" dirty="0" smtClean="0"/>
@@ -3952,15 +4021,7 @@
             </a:r>
             <a:r>
               <a:rPr lang="en-US" dirty="0" smtClean="0"/>
-              <a:t>buffer&lt; </a:t>
-            </a:r>
-            <a:r>
-              <a:rPr lang="en-US" dirty="0" smtClean="0"/>
-              <a:t>class</a:t>
-            </a:r>
-            <a:r>
-              <a:rPr lang="en-US" dirty="0" smtClean="0"/>
-              <a:t>,  10 &gt; </a:t>
+              <a:t>buffer&lt; class,  10 &gt; </a:t>
             </a:r>
             <a:r>
               <a:rPr lang="en-US" dirty="0" err="1" smtClean="0"/>
@@ -4014,7 +4075,7 @@
         </p:nvSpPr>
         <p:spPr>
           <a:xfrm flipH="1">
-            <a:off x="5791200" y="4495800"/>
+            <a:off x="5791200" y="4632579"/>
             <a:ext cx="1981200" cy="685800"/>
           </a:xfrm>
           <a:prstGeom prst="wedgeRoundRectCallout">
@@ -4081,7 +4142,7 @@
           <a:p>
             <a:r>
               <a:rPr lang="ru-RU" dirty="0" smtClean="0"/>
-              <a:t>выведение</a:t>
+              <a:t>выведение типа</a:t>
             </a:r>
             <a:endParaRPr lang="en-US" dirty="0"/>
           </a:p>
@@ -4096,7 +4157,7 @@
         <p:spPr>
           <a:xfrm>
             <a:off x="990600" y="1676400"/>
-            <a:ext cx="7543800" cy="2590800"/>
+            <a:ext cx="7543800" cy="2819400"/>
           </a:xfrm>
           <a:prstGeom prst="roundRect">
             <a:avLst/>
@@ -4132,7 +4193,18 @@
             </a:r>
             <a:r>
               <a:rPr lang="en-US" dirty="0" smtClean="0"/>
-              <a:t>&gt; void sort (</a:t>
+              <a:t>&gt; </a:t>
+            </a:r>
+            <a:endParaRPr lang="ru-RU" dirty="0" smtClean="0"/>
+          </a:p>
+          <a:p>
+            <a:r>
+              <a:rPr lang="en-US" dirty="0" smtClean="0"/>
+              <a:t>void </a:t>
+            </a:r>
+            <a:r>
+              <a:rPr lang="en-US" dirty="0" smtClean="0"/>
+              <a:t>sort (</a:t>
             </a:r>
             <a:r>
               <a:rPr lang="en-US" dirty="0" err="1" smtClean="0"/>
@@ -4180,11 +4252,7 @@
             </a:r>
             <a:r>
               <a:rPr lang="en-US" dirty="0" smtClean="0"/>
-              <a:t> </a:t>
-            </a:r>
-            <a:r>
-              <a:rPr lang="en-US" dirty="0" smtClean="0"/>
-              <a:t>std::vector&lt;</a:t>
+              <a:t> std::vector&lt;</a:t>
             </a:r>
             <a:r>
               <a:rPr lang="ru-RU" dirty="0" smtClean="0"/>
@@ -4252,6 +4320,9 @@
             <a:endParaRPr lang="ru-RU" dirty="0" smtClean="0"/>
           </a:p>
           <a:p>
+            <a:endParaRPr lang="ru-RU" dirty="0" smtClean="0"/>
+          </a:p>
+          <a:p>
             <a:r>
               <a:rPr lang="en-US" dirty="0" smtClean="0"/>
               <a:t>std::sort (</a:t>
@@ -4292,11 +4363,19 @@
             </a:r>
             <a:r>
               <a:rPr lang="en-US" dirty="0" err="1" smtClean="0"/>
-              <a:t>iteratoe</a:t>
-            </a:r>
-            <a:r>
-              <a:rPr lang="en-US" dirty="0" smtClean="0"/>
-              <a:t> &gt;(</a:t>
+              <a:t>iterato</a:t>
+            </a:r>
+            <a:r>
+              <a:rPr lang="en-US" dirty="0" err="1" smtClean="0"/>
+              <a:t>r</a:t>
+            </a:r>
+            <a:r>
+              <a:rPr lang="en-US" dirty="0" smtClean="0"/>
+              <a:t> </a:t>
+            </a:r>
+            <a:r>
+              <a:rPr lang="en-US" dirty="0" smtClean="0"/>
+              <a:t>&gt;(</a:t>
             </a:r>
             <a:r>
               <a:rPr lang="ru-RU" dirty="0" smtClean="0"/>
@@ -4340,7 +4419,7 @@
         </p:blipFill>
         <p:spPr>
           <a:xfrm>
-            <a:off x="7086600" y="4724400"/>
+            <a:off x="7086600" y="4861179"/>
             <a:ext cx="1600200" cy="1768221"/>
           </a:xfrm>
           <a:prstGeom prst="rect">
@@ -4575,10 +4654,6 @@
               <a:rPr lang="en-US" dirty="0" smtClean="0"/>
               <a:t>&lt; double &gt;( complex&lt; double &gt; )</a:t>
             </a:r>
-            <a:r>
-              <a:rPr lang="en-US" dirty="0" smtClean="0"/>
-              <a:t/>
-            </a:r>
             <a:br>
               <a:rPr lang="en-US" dirty="0" smtClean="0"/>
             </a:br>
@@ -4598,8 +4673,8 @@
         </p:nvSpPr>
         <p:spPr>
           <a:xfrm>
-            <a:off x="990600" y="4648200"/>
-            <a:ext cx="7543800" cy="1676400"/>
+            <a:off x="990600" y="4572000"/>
+            <a:ext cx="7543800" cy="1752600"/>
           </a:xfrm>
           <a:prstGeom prst="roundRect">
             <a:avLst/>
@@ -4627,27 +4702,23 @@
           <a:p>
             <a:r>
               <a:rPr lang="en-US" dirty="0" smtClean="0"/>
-              <a:t>template&lt; clas</a:t>
-            </a:r>
-            <a:r>
-              <a:rPr lang="en-US" dirty="0" smtClean="0"/>
-              <a:t>s T&gt; max( </a:t>
-            </a:r>
-            <a:r>
-              <a:rPr lang="en-US" dirty="0" err="1" smtClean="0"/>
-              <a:t>cosnt</a:t>
-            </a:r>
-            <a:r>
-              <a:rPr lang="en-US" dirty="0" smtClean="0"/>
-              <a:t> T&amp;, </a:t>
-            </a:r>
-            <a:r>
-              <a:rPr lang="en-US" dirty="0" err="1" smtClean="0"/>
-              <a:t>cosnt</a:t>
-            </a:r>
-            <a:r>
-              <a:rPr lang="en-US" dirty="0" smtClean="0"/>
-              <a:t> T&amp; );</a:t>
+              <a:t>template&lt; class T&gt; max( </a:t>
+            </a:r>
+            <a:r>
+              <a:rPr lang="en-US" dirty="0" smtClean="0"/>
+              <a:t>const </a:t>
+            </a:r>
+            <a:r>
+              <a:rPr lang="en-US" dirty="0" smtClean="0"/>
+              <a:t>T&amp;, </a:t>
+            </a:r>
+            <a:r>
+              <a:rPr lang="en-US" dirty="0" smtClean="0"/>
+              <a:t>const </a:t>
+            </a:r>
+            <a:r>
+              <a:rPr lang="en-US" dirty="0" smtClean="0"/>
+              <a:t>T&amp; );</a:t>
             </a:r>
           </a:p>
           <a:p>
@@ -4672,11 +4743,23 @@
             </a:r>
             <a:r>
               <a:rPr lang="en-US" dirty="0" smtClean="0"/>
-              <a:t>max( 7, ‘a’ ); \\ </a:t>
-            </a:r>
-            <a:r>
-              <a:rPr lang="ru-RU" dirty="0" smtClean="0"/>
-              <a:t>ошибка неоднозначность, нет преобразования</a:t>
+              <a:t>max( 7, ‘a’ ); </a:t>
+            </a:r>
+            <a:r>
+              <a:rPr lang="en-US" dirty="0" smtClean="0"/>
+              <a:t>//</a:t>
+            </a:r>
+            <a:r>
+              <a:rPr lang="en-US" dirty="0" smtClean="0"/>
+              <a:t> </a:t>
+            </a:r>
+            <a:r>
+              <a:rPr lang="ru-RU" dirty="0" smtClean="0"/>
+              <a:t>неоднозначность: ошибка </a:t>
+            </a:r>
+            <a:r>
+              <a:rPr lang="ru-RU" dirty="0" smtClean="0"/>
+              <a:t>нет преобразования</a:t>
             </a:r>
             <a:endParaRPr lang="en-US" dirty="0" smtClean="0"/>
           </a:p>
@@ -4685,7 +4768,6 @@
               <a:rPr lang="en-US" dirty="0"/>
               <a:t>}</a:t>
             </a:r>
-            <a:endParaRPr lang="en-US" dirty="0"/>
           </a:p>
         </p:txBody>
       </p:sp>
@@ -4781,14 +4863,14 @@
           <a:p>
             <a:pPr marL="169863"/>
             <a:r>
-              <a:rPr lang="en-US" sz="1600" dirty="0" smtClean="0"/>
+              <a:rPr lang="en-US" sz="1600" i="1" dirty="0" smtClean="0"/>
               <a:t>// </a:t>
             </a:r>
             <a:r>
-              <a:rPr lang="en-US" sz="1600" dirty="0" err="1" smtClean="0"/>
+              <a:rPr lang="en-US" sz="1600" i="1" dirty="0" err="1" smtClean="0"/>
               <a:t>copy.h</a:t>
             </a:r>
-            <a:endParaRPr lang="en-US" sz="1600" dirty="0" smtClean="0"/>
+            <a:endParaRPr lang="en-US" sz="1600" i="1" dirty="0" smtClean="0"/>
           </a:p>
           <a:p>
             <a:pPr marL="169863"/>
@@ -4839,7 +4921,6 @@
               <a:rPr lang="en-US" sz="1600" dirty="0" smtClean="0"/>
               <a:t>}</a:t>
             </a:r>
-            <a:endParaRPr lang="en-US" sz="1600" dirty="0" smtClean="0"/>
           </a:p>
           <a:p>
             <a:pPr marL="169863"/>
@@ -4866,7 +4947,7 @@
           <a:p>
             <a:pPr marL="169863"/>
             <a:r>
-              <a:rPr lang="en-US" sz="1600" dirty="0" smtClean="0"/>
+              <a:rPr lang="en-US" sz="1600" i="1" dirty="0" smtClean="0"/>
               <a:t>// copy.cpp</a:t>
             </a:r>
           </a:p>
@@ -4935,11 +5016,7 @@
             </a:r>
             <a:r>
               <a:rPr lang="ru-RU" sz="1600" dirty="0" smtClean="0"/>
-              <a:t>тип </a:t>
-            </a:r>
-            <a:r>
-              <a:rPr lang="ru-RU" sz="1600" dirty="0" smtClean="0"/>
-              <a:t>определен через аргументы</a:t>
+              <a:t>тип определен через аргументы</a:t>
             </a:r>
             <a:endParaRPr lang="en-US" sz="1600" dirty="0" smtClean="0"/>
           </a:p>
@@ -4963,7 +5040,6 @@
               <a:rPr lang="en-US" sz="1600" dirty="0" smtClean="0"/>
               <a:t>}</a:t>
             </a:r>
-            <a:endParaRPr lang="en-US" sz="1600" dirty="0" smtClean="0"/>
           </a:p>
         </p:txBody>
       </p:sp>
@@ -5030,8 +5106,8 @@
         </p:nvSpPr>
         <p:spPr>
           <a:xfrm>
-            <a:off x="609600" y="1371600"/>
-            <a:ext cx="8305800" cy="4953000"/>
+            <a:off x="609600" y="1219200"/>
+            <a:ext cx="8305800" cy="5105400"/>
           </a:xfrm>
           <a:prstGeom prst="roundRect">
             <a:avLst/>
@@ -5099,34 +5175,28 @@
             </a:r>
             <a:r>
               <a:rPr lang="en-US" sz="1600" dirty="0" smtClean="0"/>
-              <a:t>trade = 1,</a:t>
-            </a:r>
-          </a:p>
-          <a:p>
-            <a:pPr marL="169863"/>
+              <a:t>trade = </a:t>
+            </a:r>
+            <a:r>
+              <a:rPr lang="en-US" sz="1600" dirty="0" smtClean="0"/>
+              <a:t>1, market </a:t>
+            </a:r>
+            <a:r>
+              <a:rPr lang="en-US" sz="1600" dirty="0" smtClean="0"/>
+              <a:t>= </a:t>
+            </a:r>
+            <a:r>
+              <a:rPr lang="en-US" sz="1600" dirty="0" smtClean="0"/>
+              <a:t>2, limit </a:t>
+            </a:r>
+            <a:r>
+              <a:rPr lang="en-US" sz="1600" dirty="0" smtClean="0"/>
+              <a:t>= 3,</a:t>
+            </a:r>
             <a:r>
               <a:rPr lang="en-US" sz="1600" dirty="0"/>
               <a:t>	</a:t>
             </a:r>
-            <a:r>
-              <a:rPr lang="en-US" sz="1600" dirty="0" smtClean="0"/>
-              <a:t>market = 2,</a:t>
-            </a:r>
-          </a:p>
-          <a:p>
-            <a:pPr marL="169863"/>
-            <a:r>
-              <a:rPr lang="en-US" sz="1600" dirty="0"/>
-              <a:t>	</a:t>
-            </a:r>
-            <a:r>
-              <a:rPr lang="en-US" sz="1600" dirty="0" smtClean="0"/>
-              <a:t>limit = 3,</a:t>
-            </a:r>
-            <a:r>
-              <a:rPr lang="en-US" sz="1600" dirty="0"/>
-              <a:t>	</a:t>
-            </a:r>
             <a:endParaRPr lang="en-US" sz="1600" dirty="0" smtClean="0"/>
           </a:p>
           <a:p>
@@ -5198,7 +5268,6 @@
               <a:rPr lang="en-US" sz="1600" dirty="0" smtClean="0"/>
               <a:t>}</a:t>
             </a:r>
-            <a:endParaRPr lang="en-US" sz="1600" dirty="0" smtClean="0"/>
           </a:p>
           <a:p>
             <a:pPr marL="169863"/>
@@ -5249,8 +5318,15 @@
             </a:r>
             <a:r>
               <a:rPr lang="en-US" sz="1600" dirty="0" smtClean="0"/>
-              <a:t>&lt; limit &gt;( const std::string&amp; message );</a:t>
-            </a:r>
+              <a:t>&lt; limit &gt;( const std::string&amp; message </a:t>
+            </a:r>
+            <a:r>
+              <a:rPr lang="en-US" sz="1600" dirty="0" smtClean="0"/>
+              <a:t>);</a:t>
+            </a:r>
+          </a:p>
+          <a:p>
+            <a:pPr marL="169863"/>
             <a:endParaRPr lang="en-US" sz="1600" dirty="0"/>
           </a:p>
           <a:p>
@@ -5309,7 +5385,6 @@
               <a:rPr lang="en-US" sz="1600" dirty="0" smtClean="0"/>
               <a:t>}</a:t>
             </a:r>
-            <a:endParaRPr lang="en-US" sz="1600" dirty="0" smtClean="0"/>
           </a:p>
         </p:txBody>
       </p:sp>
@@ -5409,15 +5484,7 @@
           <a:p>
             <a:r>
               <a:rPr lang="en-US" dirty="0" smtClean="0"/>
-              <a:t>template&lt; class T &gt; class </a:t>
-            </a:r>
-            <a:r>
-              <a:rPr lang="en-US" dirty="0" smtClean="0"/>
-              <a:t>v</a:t>
-            </a:r>
-            <a:r>
-              <a:rPr lang="en-US" dirty="0" smtClean="0"/>
-              <a:t>ector; // </a:t>
+              <a:t>template&lt; class T &gt; class vector; // </a:t>
             </a:r>
             <a:r>
               <a:rPr lang="ru-RU" dirty="0" smtClean="0"/>
@@ -5447,7 +5514,15 @@
             </a:r>
             <a:r>
               <a:rPr lang="en-US" dirty="0" smtClean="0"/>
-              <a:t>               // </a:t>
+              <a:t>              </a:t>
+            </a:r>
+            <a:r>
+              <a:rPr lang="en-US" dirty="0" smtClean="0"/>
+              <a:t>  </a:t>
+            </a:r>
+            <a:r>
+              <a:rPr lang="en-US" dirty="0" smtClean="0"/>
+              <a:t>// </a:t>
             </a:r>
             <a:r>
               <a:rPr lang="ru-RU" dirty="0" smtClean="0"/>
@@ -5629,27 +5704,7 @@
           <a:p>
             <a:r>
               <a:rPr lang="ru-RU" dirty="0" smtClean="0"/>
-              <a:t>Бьерн </a:t>
-            </a:r>
-            <a:r>
-              <a:rPr lang="ru-RU" dirty="0" smtClean="0"/>
-              <a:t>Страуструп - </a:t>
-            </a:r>
-            <a:r>
-              <a:rPr lang="ru-RU" dirty="0" smtClean="0"/>
-              <a:t>глава </a:t>
-            </a:r>
-            <a:r>
-              <a:rPr lang="ru-RU" dirty="0" smtClean="0"/>
-              <a:t>«</a:t>
-            </a:r>
-            <a:r>
-              <a:rPr lang="ru-RU" dirty="0" smtClean="0"/>
-              <a:t>Шаблоны</a:t>
-            </a:r>
-            <a:r>
-              <a:rPr lang="ru-RU" dirty="0" smtClean="0"/>
-              <a:t>».</a:t>
+              <a:t>Бьерн Страуструп - глава «Шаблоны».</a:t>
             </a:r>
             <a:endParaRPr lang="en-US" dirty="0"/>
           </a:p>
@@ -5794,13 +5849,45 @@
           <a:p>
             <a:r>
               <a:rPr lang="ru-RU" dirty="0" smtClean="0"/>
-              <a:t>Включать определения шаблонов до их использование в единице трансляции</a:t>
-            </a:r>
-          </a:p>
-          <a:p>
-            <a:r>
-              <a:rPr lang="ru-RU" dirty="0" smtClean="0"/>
-              <a:t>Включать объявления шаблонов до их использования в </a:t>
+              <a:t>Включать </a:t>
+            </a:r>
+            <a:r>
+              <a:rPr lang="ru-RU" b="1" dirty="0" smtClean="0"/>
+              <a:t>определения</a:t>
+            </a:r>
+            <a:r>
+              <a:rPr lang="ru-RU" dirty="0" smtClean="0"/>
+              <a:t> шаблонов до их </a:t>
+            </a:r>
+            <a:r>
+              <a:rPr lang="ru-RU" dirty="0" smtClean="0"/>
+              <a:t>использования </a:t>
+            </a:r>
+            <a:r>
+              <a:rPr lang="ru-RU" dirty="0" smtClean="0"/>
+              <a:t>в единице </a:t>
+            </a:r>
+            <a:r>
+              <a:rPr lang="ru-RU" dirty="0" smtClean="0"/>
+              <a:t>трансляции</a:t>
+            </a:r>
+            <a:endParaRPr lang="en-US" dirty="0" smtClean="0"/>
+          </a:p>
+          <a:p>
+            <a:endParaRPr lang="ru-RU" dirty="0" smtClean="0"/>
+          </a:p>
+          <a:p>
+            <a:r>
+              <a:rPr lang="ru-RU" dirty="0" smtClean="0"/>
+              <a:t>Включать </a:t>
+            </a:r>
+            <a:r>
+              <a:rPr lang="ru-RU" b="1" dirty="0" smtClean="0"/>
+              <a:t>объявления</a:t>
+            </a:r>
+            <a:r>
+              <a:rPr lang="ru-RU" dirty="0" smtClean="0"/>
+              <a:t> шаблонов до их использования в </a:t>
             </a:r>
             <a:r>
               <a:rPr lang="ru-RU" dirty="0"/>
@@ -6222,7 +6309,7 @@
         </p:nvSpPr>
         <p:spPr>
           <a:xfrm>
-            <a:off x="1371600" y="4800600"/>
+            <a:off x="685800" y="4800600"/>
             <a:ext cx="2743200" cy="914400"/>
           </a:xfrm>
           <a:prstGeom prst="wedgeRoundRectCallout">
@@ -6346,8 +6433,8 @@
         </p:nvSpPr>
         <p:spPr>
           <a:xfrm>
-            <a:off x="1676400" y="1371600"/>
-            <a:ext cx="5943600" cy="3276600"/>
+            <a:off x="1219200" y="1371600"/>
+            <a:ext cx="7010400" cy="3276600"/>
           </a:xfrm>
           <a:prstGeom prst="roundRect">
             <a:avLst/>
@@ -6461,7 +6548,15 @@
             </a:r>
             <a:r>
               <a:rPr lang="en-US" dirty="0" smtClean="0"/>
-              <a:t> &gt;( 11.0, 12.0 ); // !!! implicit cast double to </a:t>
+              <a:t> &gt;( 11.0, 12.0 ); // !!! implicit </a:t>
+            </a:r>
+            <a:r>
+              <a:rPr lang="en-US" b="1" dirty="0" smtClean="0"/>
+              <a:t>cast</a:t>
+            </a:r>
+            <a:r>
+              <a:rPr lang="en-US" dirty="0" smtClean="0"/>
+              <a:t> double to </a:t>
             </a:r>
             <a:r>
               <a:rPr lang="en-US" dirty="0" err="1" smtClean="0"/>
@@ -6487,7 +6582,7 @@
         </p:blipFill>
         <p:spPr>
           <a:xfrm>
-            <a:off x="1066800" y="5410200"/>
+            <a:off x="381000" y="5410200"/>
             <a:ext cx="1172308" cy="1295400"/>
           </a:xfrm>
           <a:prstGeom prst="rect">
@@ -6495,6 +6590,68 @@
           </a:prstGeom>
         </p:spPr>
       </p:pic>
+      <p:sp>
+        <p:nvSpPr>
+          <p:cNvPr id="6" name="Прямоугольник 5"/>
+          <p:cNvSpPr/>
+          <p:nvPr/>
+        </p:nvSpPr>
+        <p:spPr>
+          <a:xfrm>
+            <a:off x="1676400" y="6096000"/>
+            <a:ext cx="7162800" cy="369332"/>
+          </a:xfrm>
+          <a:prstGeom prst="rect">
+            <a:avLst/>
+          </a:prstGeom>
+        </p:spPr>
+        <p:txBody>
+          <a:bodyPr wrap="square">
+            <a:spAutoFit/>
+          </a:bodyPr>
+          <a:lstStyle/>
+          <a:p>
+            <a:pPr algn="r"/>
+            <a:r>
+              <a:rPr lang="en-US" dirty="0" smtClean="0">
+                <a:hlinkClick r:id="rId3"/>
+              </a:rPr>
+              <a:t>http://blogs.msdn.com/b/slippman/archive/2004/08/11/212768.aspx</a:t>
+            </a:r>
+            <a:endParaRPr lang="en-US" dirty="0" smtClean="0"/>
+          </a:p>
+        </p:txBody>
+      </p:sp>
+      <p:cxnSp>
+        <p:nvCxnSpPr>
+          <p:cNvPr id="7" name="Прямая соединительная линия 6"/>
+          <p:cNvCxnSpPr/>
+          <p:nvPr/>
+        </p:nvCxnSpPr>
+        <p:spPr>
+          <a:xfrm>
+            <a:off x="3581400" y="6019800"/>
+            <a:ext cx="5181600" cy="0"/>
+          </a:xfrm>
+          <a:prstGeom prst="line">
+            <a:avLst/>
+          </a:prstGeom>
+        </p:spPr>
+        <p:style>
+          <a:lnRef idx="1">
+            <a:schemeClr val="accent1"/>
+          </a:lnRef>
+          <a:fillRef idx="0">
+            <a:schemeClr val="accent1"/>
+          </a:fillRef>
+          <a:effectRef idx="0">
+            <a:schemeClr val="accent1"/>
+          </a:effectRef>
+          <a:fontRef idx="minor">
+            <a:schemeClr val="tx1"/>
+          </a:fontRef>
+        </p:style>
+      </p:cxnSp>
     </p:spTree>
   </p:cSld>
   <p:clrMapOvr>
@@ -6558,8 +6715,8 @@
         </p:nvSpPr>
         <p:spPr>
           <a:xfrm>
-            <a:off x="1295400" y="1828800"/>
-            <a:ext cx="6934200" cy="3429000"/>
+            <a:off x="1295400" y="1600200"/>
+            <a:ext cx="6934200" cy="4495800"/>
           </a:xfrm>
           <a:prstGeom prst="roundRect">
             <a:avLst/>
@@ -6618,15 +6775,7 @@
             </a:r>
             <a:r>
               <a:rPr lang="en-US" dirty="0" err="1" smtClean="0"/>
-              <a:t>t_p</a:t>
-            </a:r>
-            <a:r>
-              <a:rPr lang="en-US" dirty="0" smtClean="0"/>
-              <a:t>	</a:t>
-            </a:r>
-            <a:r>
-              <a:rPr lang="en-US" dirty="0" err="1" smtClean="0"/>
-              <a:t>tr</a:t>
+              <a:t>t_ptr</a:t>
             </a:r>
             <a:r>
               <a:rPr lang="en-US" dirty="0" smtClean="0"/>
@@ -6654,11 +6803,7 @@
             </a:r>
             <a:r>
               <a:rPr lang="en-US" dirty="0" smtClean="0"/>
-              <a:t> ( T* t = NULL );</a:t>
-            </a:r>
-            <a:r>
-              <a:rPr lang="en-US" dirty="0" smtClean="0"/>
-              <a:t>	</a:t>
+              <a:t> ( T* t = NULL );	</a:t>
             </a:r>
             <a:br>
               <a:rPr lang="en-US" dirty="0" smtClean="0"/>
@@ -6667,11 +6812,15 @@
               <a:rPr lang="en-US" dirty="0" smtClean="0"/>
               <a:t>};</a:t>
             </a:r>
-          </a:p>
-          <a:p>
-            <a:r>
-              <a:rPr lang="en-US" dirty="0" err="1" smtClean="0"/>
-              <a:t>tempalte</a:t>
+            <a:endParaRPr lang="ru-RU" dirty="0" smtClean="0"/>
+          </a:p>
+          <a:p>
+            <a:endParaRPr lang="en-US" dirty="0" smtClean="0"/>
+          </a:p>
+          <a:p>
+            <a:r>
+              <a:rPr lang="en-US" dirty="0" smtClean="0"/>
+              <a:t>template</a:t>
             </a:r>
             <a:r>
               <a:rPr lang="en-US" dirty="0" smtClean="0"/>
@@ -6968,16 +7117,16 @@
           </a:p>
           <a:p>
             <a:r>
-              <a:rPr lang="en-US" dirty="0" smtClean="0"/>
-              <a:t> </a:t>
-            </a:r>
-            <a:r>
               <a:rPr lang="en-US" dirty="0" err="1" smtClean="0"/>
               <a:t>template_example</a:t>
             </a:r>
             <a:r>
               <a:rPr lang="en-US" dirty="0" smtClean="0"/>
-              <a:t> &lt; double &gt; </a:t>
+              <a:t> </a:t>
+            </a:r>
+            <a:r>
+              <a:rPr lang="en-US" dirty="0" smtClean="0"/>
+              <a:t>&lt; double &gt; </a:t>
             </a:r>
             <a:r>
               <a:rPr lang="en-US" dirty="0" err="1" smtClean="0"/>
@@ -7012,24 +7161,20 @@
           </a:p>
           <a:p>
             <a:r>
-              <a:rPr lang="en-US" dirty="0" smtClean="0"/>
-              <a:t> </a:t>
-            </a:r>
-            <a:r>
               <a:rPr lang="en-US" dirty="0" err="1" smtClean="0"/>
               <a:t>template_example</a:t>
             </a:r>
             <a:r>
               <a:rPr lang="en-US" dirty="0" smtClean="0"/>
-              <a:t> &lt; string&gt; </a:t>
+              <a:t> </a:t>
+            </a:r>
+            <a:r>
+              <a:rPr lang="en-US" dirty="0" smtClean="0"/>
+              <a:t>&lt; string&gt; </a:t>
             </a:r>
             <a:r>
               <a:rPr lang="en-US" dirty="0" err="1" smtClean="0"/>
-              <a:t>string</a:t>
-            </a:r>
-            <a:r>
-              <a:rPr lang="en-US" dirty="0" err="1" smtClean="0"/>
-              <a:t>_ptr</a:t>
+              <a:t>string_ptr</a:t>
             </a:r>
             <a:r>
               <a:rPr lang="en-US" dirty="0" smtClean="0"/>
@@ -7041,11 +7186,7 @@
             </a:r>
             <a:r>
               <a:rPr lang="en-US" dirty="0" smtClean="0"/>
-              <a:t>“Hello!”</a:t>
-            </a:r>
-            <a:r>
-              <a:rPr lang="en-US" dirty="0" smtClean="0"/>
-              <a:t> )  );</a:t>
+              <a:t>“Hello!” )  );</a:t>
             </a:r>
           </a:p>
         </p:txBody>
@@ -7333,11 +7474,7 @@
             </a:r>
             <a:r>
               <a:rPr lang="en-US" dirty="0" err="1" smtClean="0"/>
-              <a:t>i_</a:t>
-            </a:r>
-            <a:r>
-              <a:rPr lang="en-US" dirty="0" err="1" smtClean="0"/>
-              <a:t>buff</a:t>
+              <a:t>i_buff</a:t>
             </a:r>
             <a:r>
               <a:rPr lang="en-US" dirty="0" smtClean="0"/>
@@ -7359,11 +7496,7 @@
             </a:r>
             <a:r>
               <a:rPr lang="en-US" dirty="0" err="1" smtClean="0"/>
-              <a:t>my_</a:t>
-            </a:r>
-            <a:r>
-              <a:rPr lang="en-US" dirty="0" err="1" smtClean="0"/>
-              <a:t>buff</a:t>
+              <a:t>my_buff</a:t>
             </a:r>
             <a:r>
               <a:rPr lang="en-US" dirty="0" smtClean="0"/>
@@ -7575,11 +7708,7 @@
             </a:r>
             <a:r>
               <a:rPr lang="en-US" dirty="0" err="1" smtClean="0"/>
-              <a:t>i_</a:t>
-            </a:r>
-            <a:r>
-              <a:rPr lang="en-US" dirty="0" err="1" smtClean="0"/>
-              <a:t>buff</a:t>
+              <a:t>i_buff</a:t>
             </a:r>
             <a:r>
               <a:rPr lang="en-US" dirty="0" smtClean="0"/>
@@ -7601,11 +7730,7 @@
             </a:r>
             <a:r>
               <a:rPr lang="en-US" dirty="0" err="1" smtClean="0"/>
-              <a:t>my_</a:t>
-            </a:r>
-            <a:r>
-              <a:rPr lang="en-US" dirty="0" err="1" smtClean="0"/>
-              <a:t>buff</a:t>
+              <a:t>my_buff</a:t>
             </a:r>
             <a:r>
               <a:rPr lang="en-US" dirty="0" smtClean="0"/>

--- a/lections/cpp_craft_lec_5_pre.pptx
+++ b/lections/cpp_craft_lec_5_pre.pptx
@@ -218,6 +218,7 @@
           <a:p>
             <a:fld id="{9D2A6E17-AB36-4E53-A896-72D500841CBD}" type="datetimeFigureOut">
               <a:rPr lang="en-US" smtClean="0"/>
+              <a:pPr/>
               <a:t>11/4/2013</a:t>
             </a:fld>
             <a:endParaRPr lang="en-US"/>
@@ -284,6 +285,7 @@
           <a:p>
             <a:fld id="{468324A7-76C5-4946-B072-98EEE8C4D0B7}" type="slidenum">
               <a:rPr lang="en-US" smtClean="0"/>
+              <a:pPr/>
               <a:t>‹#›</a:t>
             </a:fld>
             <a:endParaRPr lang="en-US"/>
@@ -548,7 +550,7 @@
     </p:spTree>
     <p:extLst>
       <p:ext uri="{BB962C8B-B14F-4D97-AF65-F5344CB8AC3E}">
-        <p14:creationId xmlns:p14="http://schemas.microsoft.com/office/powerpoint/2010/main" xmlns="" val="402960394"/>
+        <p14:creationId xmlns="" xmlns:p14="http://schemas.microsoft.com/office/powerpoint/2010/main" val="402960394"/>
       </p:ext>
     </p:extLst>
   </p:cSld>
@@ -707,7 +709,6 @@
               <a:rPr lang="ru-RU" baseline="0" dirty="0" smtClean="0"/>
               <a:t> должны быть представлены независимо. Набор общих концепций – шаблоны.</a:t>
             </a:r>
-            <a:endParaRPr lang="ru-RU" baseline="0" dirty="0" smtClean="0"/>
           </a:p>
           <a:p>
             <a:pPr marL="228600" indent="-228600">
@@ -769,7 +770,7 @@
     </p:spTree>
     <p:extLst>
       <p:ext uri="{BB962C8B-B14F-4D97-AF65-F5344CB8AC3E}">
-        <p14:creationId xmlns:p14="http://schemas.microsoft.com/office/powerpoint/2010/main" xmlns="" val="1596205665"/>
+        <p14:creationId xmlns="" xmlns:p14="http://schemas.microsoft.com/office/powerpoint/2010/main" val="1596205665"/>
       </p:ext>
     </p:extLst>
   </p:cSld>
@@ -872,7 +873,7 @@
     </p:spTree>
     <p:extLst>
       <p:ext uri="{BB962C8B-B14F-4D97-AF65-F5344CB8AC3E}">
-        <p14:creationId xmlns:p14="http://schemas.microsoft.com/office/powerpoint/2010/main" xmlns="" val="2556783601"/>
+        <p14:creationId xmlns="" xmlns:p14="http://schemas.microsoft.com/office/powerpoint/2010/main" val="2556783601"/>
       </p:ext>
     </p:extLst>
   </p:cSld>
@@ -965,7 +966,7 @@
     </p:spTree>
     <p:extLst>
       <p:ext uri="{BB962C8B-B14F-4D97-AF65-F5344CB8AC3E}">
-        <p14:creationId xmlns:p14="http://schemas.microsoft.com/office/powerpoint/2010/main" xmlns="" val="105421614"/>
+        <p14:creationId xmlns="" xmlns:p14="http://schemas.microsoft.com/office/powerpoint/2010/main" val="105421614"/>
       </p:ext>
     </p:extLst>
   </p:cSld>
@@ -1068,7 +1069,7 @@
     </p:spTree>
     <p:extLst>
       <p:ext uri="{BB962C8B-B14F-4D97-AF65-F5344CB8AC3E}">
-        <p14:creationId xmlns:p14="http://schemas.microsoft.com/office/powerpoint/2010/main" xmlns="" val="1594442473"/>
+        <p14:creationId xmlns="" xmlns:p14="http://schemas.microsoft.com/office/powerpoint/2010/main" val="1594442473"/>
       </p:ext>
     </p:extLst>
   </p:cSld>
@@ -1157,7 +1158,7 @@
     </p:spTree>
     <p:extLst>
       <p:ext uri="{BB962C8B-B14F-4D97-AF65-F5344CB8AC3E}">
-        <p14:creationId xmlns:p14="http://schemas.microsoft.com/office/powerpoint/2010/main" xmlns="" val="2837681716"/>
+        <p14:creationId xmlns="" xmlns:p14="http://schemas.microsoft.com/office/powerpoint/2010/main" val="2837681716"/>
       </p:ext>
     </p:extLst>
   </p:cSld>
@@ -1282,7 +1283,7 @@
     </p:spTree>
     <p:extLst>
       <p:ext uri="{BB962C8B-B14F-4D97-AF65-F5344CB8AC3E}">
-        <p14:creationId xmlns:p14="http://schemas.microsoft.com/office/powerpoint/2010/main" xmlns="" val="2837681716"/>
+        <p14:creationId xmlns="" xmlns:p14="http://schemas.microsoft.com/office/powerpoint/2010/main" val="2837681716"/>
       </p:ext>
     </p:extLst>
   </p:cSld>
@@ -1420,7 +1421,7 @@
     </p:spTree>
     <p:extLst>
       <p:ext uri="{BB962C8B-B14F-4D97-AF65-F5344CB8AC3E}">
-        <p14:creationId xmlns:p14="http://schemas.microsoft.com/office/powerpoint/2010/main" xmlns="" val="1404515757"/>
+        <p14:creationId xmlns="" xmlns:p14="http://schemas.microsoft.com/office/powerpoint/2010/main" val="1404515757"/>
       </p:ext>
     </p:extLst>
   </p:cSld>
@@ -1670,7 +1671,7 @@
     </p:spTree>
     <p:extLst>
       <p:ext uri="{BB962C8B-B14F-4D97-AF65-F5344CB8AC3E}">
-        <p14:creationId xmlns:p14="http://schemas.microsoft.com/office/powerpoint/2010/main" xmlns="" val="2547174524"/>
+        <p14:creationId xmlns="" xmlns:p14="http://schemas.microsoft.com/office/powerpoint/2010/main" val="2547174524"/>
       </p:ext>
     </p:extLst>
   </p:cSld>
@@ -1781,7 +1782,7 @@
     </p:spTree>
     <p:extLst>
       <p:ext uri="{BB962C8B-B14F-4D97-AF65-F5344CB8AC3E}">
-        <p14:creationId xmlns:p14="http://schemas.microsoft.com/office/powerpoint/2010/main" xmlns="" val="2212771972"/>
+        <p14:creationId xmlns="" xmlns:p14="http://schemas.microsoft.com/office/powerpoint/2010/main" val="2212771972"/>
       </p:ext>
     </p:extLst>
   </p:cSld>
@@ -1898,7 +1899,7 @@
     </p:spTree>
     <p:extLst>
       <p:ext uri="{BB962C8B-B14F-4D97-AF65-F5344CB8AC3E}">
-        <p14:creationId xmlns:p14="http://schemas.microsoft.com/office/powerpoint/2010/main" xmlns="" val="3867929315"/>
+        <p14:creationId xmlns="" xmlns:p14="http://schemas.microsoft.com/office/powerpoint/2010/main" val="3867929315"/>
       </p:ext>
     </p:extLst>
   </p:cSld>
@@ -1991,7 +1992,7 @@
     </p:spTree>
     <p:extLst>
       <p:ext uri="{BB962C8B-B14F-4D97-AF65-F5344CB8AC3E}">
-        <p14:creationId xmlns:p14="http://schemas.microsoft.com/office/powerpoint/2010/main" xmlns="" val="2992045749"/>
+        <p14:creationId xmlns="" xmlns:p14="http://schemas.microsoft.com/office/powerpoint/2010/main" val="2992045749"/>
       </p:ext>
     </p:extLst>
   </p:cSld>
@@ -2076,7 +2077,7 @@
     </p:spTree>
     <p:extLst>
       <p:ext uri="{BB962C8B-B14F-4D97-AF65-F5344CB8AC3E}">
-        <p14:creationId xmlns:p14="http://schemas.microsoft.com/office/powerpoint/2010/main" xmlns="" val="2772776306"/>
+        <p14:creationId xmlns="" xmlns:p14="http://schemas.microsoft.com/office/powerpoint/2010/main" val="2772776306"/>
       </p:ext>
     </p:extLst>
   </p:cSld>
@@ -2213,11 +2214,7 @@
           <a:p>
             <a:r>
               <a:rPr lang="ru-RU" b="0" baseline="0" dirty="0" smtClean="0"/>
-              <a:t>При </a:t>
-            </a:r>
-            <a:r>
-              <a:rPr lang="ru-RU" b="0" baseline="0" dirty="0" smtClean="0"/>
-              <a:t>выводе аргументов не работает преобразование типов.</a:t>
+              <a:t>При выводе аргументов не работает преобразование типов.</a:t>
             </a:r>
             <a:endParaRPr lang="en-US" b="0" baseline="0" dirty="0" smtClean="0"/>
           </a:p>
@@ -2256,7 +2253,7 @@
     </p:spTree>
     <p:extLst>
       <p:ext uri="{BB962C8B-B14F-4D97-AF65-F5344CB8AC3E}">
-        <p14:creationId xmlns:p14="http://schemas.microsoft.com/office/powerpoint/2010/main" xmlns="" val="2972920284"/>
+        <p14:creationId xmlns="" xmlns:p14="http://schemas.microsoft.com/office/powerpoint/2010/main" val="2972920284"/>
       </p:ext>
     </p:extLst>
   </p:cSld>
@@ -2315,11 +2312,7 @@
             </a:pPr>
             <a:r>
               <a:rPr lang="ru-RU" dirty="0" smtClean="0"/>
-              <a:t>Отбор </a:t>
-            </a:r>
-            <a:r>
-              <a:rPr lang="ru-RU" dirty="0" smtClean="0"/>
-              <a:t>конкретизации функциональных шаблонов. Каждый функциональный</a:t>
+              <a:t>Отбор конкретизации функциональных шаблонов. Каждый функциональный</a:t>
             </a:r>
             <a:r>
               <a:rPr lang="ru-RU" baseline="0" dirty="0" smtClean="0"/>
@@ -2332,17 +2325,8 @@
             </a:pPr>
             <a:r>
               <a:rPr lang="ru-RU" baseline="0" dirty="0" smtClean="0"/>
-              <a:t>Выбор </a:t>
-            </a:r>
-            <a:r>
-              <a:rPr lang="ru-RU" baseline="0" dirty="0" smtClean="0"/>
-              <a:t>более </a:t>
-            </a:r>
-            <a:r>
-              <a:rPr lang="ru-RU" baseline="0" dirty="0" smtClean="0"/>
-              <a:t>специфической конкретизации.</a:t>
-            </a:r>
-            <a:endParaRPr lang="ru-RU" baseline="0" dirty="0" smtClean="0"/>
+              <a:t>Выбор более специфической конкретизации.</a:t>
+            </a:r>
           </a:p>
           <a:p>
             <a:pPr marL="228600" indent="-228600">
@@ -2350,19 +2334,7 @@
             </a:pPr>
             <a:r>
               <a:rPr lang="ru-RU" baseline="0" dirty="0" smtClean="0"/>
-              <a:t>Добавление к рассмотрению обычных функций. </a:t>
-            </a:r>
-            <a:r>
-              <a:rPr lang="ru-RU" baseline="0" dirty="0" smtClean="0"/>
-              <a:t>В окончательном выборе обычные фунции имеют </a:t>
-            </a:r>
-            <a:r>
-              <a:rPr lang="ru-RU" baseline="0" dirty="0" smtClean="0"/>
-              <a:t>приоритет</a:t>
-            </a:r>
-            <a:r>
-              <a:rPr lang="ru-RU" baseline="0" dirty="0" smtClean="0"/>
-              <a:t>.</a:t>
+              <a:t>Добавление к рассмотрению обычных функций. В окончательном выборе обычные фунции имеют приоритет.</a:t>
             </a:r>
           </a:p>
           <a:p>
@@ -2403,7 +2375,7 @@
     </p:spTree>
     <p:extLst>
       <p:ext uri="{BB962C8B-B14F-4D97-AF65-F5344CB8AC3E}">
-        <p14:creationId xmlns:p14="http://schemas.microsoft.com/office/powerpoint/2010/main" xmlns="" val="1850320161"/>
+        <p14:creationId xmlns="" xmlns:p14="http://schemas.microsoft.com/office/powerpoint/2010/main" val="1850320161"/>
       </p:ext>
     </p:extLst>
   </p:cSld>
@@ -5839,20 +5811,24 @@
           <a:lstStyle/>
           <a:p>
             <a:r>
-              <a:rPr lang="ru-RU" dirty="0"/>
+              <a:rPr lang="ru-RU"/>
               <a:t>параметры </a:t>
             </a:r>
             <a:r>
-              <a:rPr lang="ru-RU" dirty="0" err="1" smtClean="0"/>
-              <a:t>шаблнов</a:t>
+              <a:rPr lang="ru-RU" smtClean="0"/>
+              <a:t>шабл</a:t>
+            </a:r>
+            <a:r>
+              <a:rPr lang="ru-RU" smtClean="0"/>
+              <a:t>о</a:t>
+            </a:r>
+            <a:r>
+              <a:rPr lang="ru-RU" smtClean="0"/>
+              <a:t>нов </a:t>
             </a:r>
             <a:r>
               <a:rPr lang="ru-RU" dirty="0" smtClean="0"/>
-              <a:t> по </a:t>
-            </a:r>
-            <a:r>
-              <a:rPr lang="ru-RU" dirty="0" smtClean="0"/>
-              <a:t>умолчанию</a:t>
+              <a:t>по умолчанию</a:t>
             </a:r>
             <a:endParaRPr lang="en-US" dirty="0"/>
           </a:p>
@@ -6219,14 +6195,14 @@
             </a:r>
             <a:r>
               <a:rPr lang="en-US" dirty="0"/>
-              <a:t> class </a:t>
-            </a:r>
-            <a:endParaRPr lang="ru-RU" dirty="0" smtClean="0"/>
-          </a:p>
-          <a:p>
-            <a:r>
-              <a:rPr lang="ru-RU" dirty="0"/>
-              <a:t>	</a:t>
+              <a:t> </a:t>
+            </a:r>
+            <a:endParaRPr lang="en-US" dirty="0" smtClean="0"/>
+          </a:p>
+          <a:p>
+            <a:r>
+              <a:rPr lang="en-US" dirty="0" smtClean="0"/>
+              <a:t>                 class </a:t>
             </a:r>
             <a:r>
               <a:rPr lang="en-US" dirty="0" err="1" smtClean="0"/>
@@ -6238,15 +6214,7 @@
             </a:r>
             <a:r>
               <a:rPr lang="en-US" dirty="0"/>
-              <a:t>= allocator&lt;pair&lt;</a:t>
-            </a:r>
-            <a:r>
-              <a:rPr lang="en-US" dirty="0" err="1"/>
-              <a:t>const</a:t>
-            </a:r>
-            <a:r>
-              <a:rPr lang="en-US" dirty="0"/>
-              <a:t> </a:t>
+              <a:t>= allocator&lt;pair&lt;const </a:t>
             </a:r>
             <a:r>
               <a:rPr lang="en-US" dirty="0" err="1"/>
@@ -6255,10 +6223,6 @@
             <a:r>
               <a:rPr lang="en-US" dirty="0"/>
               <a:t>&gt; &gt; </a:t>
-            </a:r>
-            <a:r>
-              <a:rPr lang="ru-RU" dirty="0" smtClean="0"/>
-              <a:t>	</a:t>
             </a:r>
             <a:r>
               <a:rPr lang="en-US" dirty="0" smtClean="0"/>
@@ -6657,8 +6621,12 @@
               <a:t>	</a:t>
             </a:r>
             <a:r>
+              <a:rPr lang="en-US" dirty="0" smtClean="0"/>
+              <a:t> </a:t>
+            </a:r>
+            <a:r>
               <a:rPr lang="en-US" dirty="0" err="1" smtClean="0"/>
-              <a:t>impliti_cast</a:t>
+              <a:t>implicit_cast</a:t>
             </a:r>
             <a:r>
               <a:rPr lang="en-US" dirty="0" smtClean="0"/>
@@ -6687,12 +6655,20 @@
               <a:t>	</a:t>
             </a:r>
             <a:r>
+              <a:rPr lang="en-US" dirty="0" smtClean="0"/>
+              <a:t> </a:t>
+            </a:r>
+            <a:r>
               <a:rPr lang="en-US" dirty="0" err="1" smtClean="0"/>
-              <a:t>imlicit_cast</a:t>
-            </a:r>
-            <a:r>
-              <a:rPr lang="en-US" dirty="0" smtClean="0"/>
-              <a:t>&lt; double &gt;( </a:t>
+              <a:t>implicit_cast</a:t>
+            </a:r>
+            <a:r>
+              <a:rPr lang="en-US" dirty="0" smtClean="0"/>
+              <a:t> &lt; </a:t>
+            </a:r>
+            <a:r>
+              <a:rPr lang="en-US" dirty="0" smtClean="0"/>
+              <a:t>double &gt;( </a:t>
             </a:r>
             <a:r>
               <a:rPr lang="en-US" dirty="0" err="1" smtClean="0"/>
@@ -7013,7 +6989,15 @@
             </a:r>
             <a:r>
               <a:rPr lang="en-US" dirty="0" smtClean="0"/>
-              <a:t>&lt; double &gt;( complex&lt; double &gt; )</a:t>
+              <a:t>&lt; </a:t>
+            </a:r>
+            <a:r>
+              <a:rPr lang="en-US" dirty="0" smtClean="0"/>
+              <a:t>double &gt;( </a:t>
+            </a:r>
+            <a:r>
+              <a:rPr lang="en-US" dirty="0" smtClean="0"/>
+              <a:t>complex&lt; double &gt; )</a:t>
             </a:r>
             <a:br>
               <a:rPr lang="en-US" dirty="0" smtClean="0"/>
@@ -7881,11 +7865,7 @@
           <a:p>
             <a:r>
               <a:rPr lang="en-US" dirty="0" smtClean="0"/>
-              <a:t>template&lt; class T </a:t>
-            </a:r>
-            <a:r>
-              <a:rPr lang="en-US" dirty="0" smtClean="0"/>
-              <a:t>&gt; class vector { </a:t>
+              <a:t>template&lt; class T &gt; class vector { </a:t>
             </a:r>
             <a:r>
               <a:rPr lang="ru-RU" dirty="0" smtClean="0"/>
@@ -7936,11 +7916,7 @@
           <a:p>
             <a:r>
               <a:rPr lang="en-US" dirty="0" smtClean="0"/>
-              <a:t>template</a:t>
-            </a:r>
-            <a:r>
-              <a:rPr lang="en-US" dirty="0" smtClean="0"/>
-              <a:t>&lt;&gt; class vector&lt; void* &gt; { </a:t>
+              <a:t>template&lt;&gt; class vector&lt; void* &gt; { </a:t>
             </a:r>
             <a:r>
               <a:rPr lang="ru-RU" dirty="0" smtClean="0"/>
@@ -7991,11 +7967,7 @@
           <a:p>
             <a:r>
               <a:rPr lang="en-US" dirty="0" smtClean="0"/>
-              <a:t>template</a:t>
-            </a:r>
-            <a:r>
-              <a:rPr lang="en-US" dirty="0" smtClean="0"/>
-              <a:t>&lt; T &gt; class vector&lt; T* &gt; { </a:t>
+              <a:t>template&lt; T &gt; class vector&lt; T* &gt; { </a:t>
             </a:r>
             <a:r>
               <a:rPr lang="ru-RU" dirty="0" smtClean="0"/>
@@ -8336,11 +8308,7 @@
           <a:p>
             <a:r>
               <a:rPr lang="ru-RU" dirty="0" smtClean="0"/>
-              <a:t>Бьерн Страуструп - глава «Шаблоны</a:t>
-            </a:r>
-            <a:r>
-              <a:rPr lang="ru-RU" dirty="0" smtClean="0"/>
-              <a:t>».</a:t>
+              <a:t>Бьерн Страуструп - глава «Шаблоны».</a:t>
             </a:r>
             <a:endParaRPr lang="en-US" dirty="0" smtClean="0"/>
           </a:p>
@@ -8387,11 +8355,7 @@
             </a:pPr>
             <a:r>
               <a:rPr lang="ru-RU" sz="2400" i="1" dirty="0" smtClean="0"/>
-              <a:t>- Б. </a:t>
-            </a:r>
-            <a:r>
-              <a:rPr lang="ru-RU" sz="2400" i="1" dirty="0" smtClean="0"/>
-              <a:t>Страуструп</a:t>
+              <a:t>- Б. Страуструп</a:t>
             </a:r>
             <a:endParaRPr lang="en-US" sz="2400" i="1" dirty="0"/>
           </a:p>
@@ -8497,11 +8461,7 @@
             </a:r>
             <a:r>
               <a:rPr lang="en-US" dirty="0" smtClean="0"/>
-              <a:t> </a:t>
-            </a:r>
-            <a:r>
-              <a:rPr lang="en-US" dirty="0" smtClean="0"/>
-              <a:t>{ //… };</a:t>
+              <a:t> { //… };</a:t>
             </a:r>
           </a:p>
           <a:p>
@@ -8510,25 +8470,13 @@
           <a:p>
             <a:r>
               <a:rPr lang="en-US" dirty="0" smtClean="0"/>
-              <a:t>template</a:t>
-            </a:r>
-            <a:r>
-              <a:rPr lang="en-US" dirty="0" smtClean="0"/>
-              <a:t>&lt; class T &gt;</a:t>
-            </a:r>
-          </a:p>
-          <a:p>
-            <a:r>
-              <a:rPr lang="en-US" dirty="0" smtClean="0"/>
-              <a:t>class </a:t>
-            </a:r>
-            <a:r>
-              <a:rPr lang="en-US" dirty="0" smtClean="0"/>
-              <a:t>nested : </a:t>
-            </a:r>
-            <a:r>
-              <a:rPr lang="en-US" dirty="0" smtClean="0"/>
-              <a:t>public </a:t>
+              <a:t>template&lt; class T &gt;</a:t>
+            </a:r>
+          </a:p>
+          <a:p>
+            <a:r>
+              <a:rPr lang="en-US" dirty="0" smtClean="0"/>
+              <a:t>class nested : public </a:t>
             </a:r>
             <a:r>
               <a:rPr lang="en-US" dirty="0" err="1" smtClean="0"/>
@@ -8538,7 +8486,6 @@
               <a:rPr lang="en-US" dirty="0" smtClean="0"/>
               <a:t>&lt; T &gt;</a:t>
             </a:r>
-            <a:endParaRPr lang="en-US" dirty="0" smtClean="0"/>
           </a:p>
           <a:p>
             <a:r>
@@ -8606,11 +8553,7 @@
           <a:p>
             <a:r>
               <a:rPr lang="en-US" dirty="0" smtClean="0"/>
-              <a:t>template</a:t>
-            </a:r>
-            <a:r>
-              <a:rPr lang="en-US" dirty="0" smtClean="0"/>
-              <a:t>&lt; class T &gt;</a:t>
+              <a:t>template&lt; class T &gt;</a:t>
             </a:r>
           </a:p>
           <a:p>
@@ -8624,15 +8567,7 @@
             </a:r>
             <a:r>
               <a:rPr lang="en-US" dirty="0" smtClean="0"/>
-              <a:t> : </a:t>
-            </a:r>
-            <a:r>
-              <a:rPr lang="en-US" dirty="0" smtClean="0"/>
-              <a:t>public </a:t>
-            </a:r>
-            <a:r>
-              <a:rPr lang="en-US" dirty="0" smtClean="0"/>
-              <a:t>std::vector&lt; </a:t>
+              <a:t> : public std::vector&lt; </a:t>
             </a:r>
             <a:r>
               <a:rPr lang="en-US" dirty="0" err="1" smtClean="0"/>
@@ -8642,7 +8577,6 @@
               <a:rPr lang="en-US" dirty="0" smtClean="0"/>
               <a:t> &gt;</a:t>
             </a:r>
-            <a:endParaRPr lang="en-US" dirty="0" smtClean="0"/>
           </a:p>
           <a:p>
             <a:r>
@@ -9126,7 +9060,7 @@
     </p:spTree>
     <p:extLst>
       <p:ext uri="{BB962C8B-B14F-4D97-AF65-F5344CB8AC3E}">
-        <p14:creationId xmlns:p14="http://schemas.microsoft.com/office/powerpoint/2010/main" xmlns="" val="3744971786"/>
+        <p14:creationId xmlns="" xmlns:p14="http://schemas.microsoft.com/office/powerpoint/2010/main" val="3744971786"/>
       </p:ext>
     </p:extLst>
   </p:cSld>
